--- a/Powerpoint asm2.pptx
+++ b/Powerpoint asm2.pptx
@@ -9,42 +9,44 @@
     <p:sldId id="257" r:id="rId3"/>
     <p:sldId id="258" r:id="rId4"/>
     <p:sldId id="259" r:id="rId5"/>
-    <p:sldId id="260" r:id="rId6"/>
-    <p:sldId id="261" r:id="rId7"/>
-    <p:sldId id="262" r:id="rId8"/>
-    <p:sldId id="263" r:id="rId9"/>
-    <p:sldId id="264" r:id="rId10"/>
-    <p:sldId id="265" r:id="rId11"/>
-    <p:sldId id="266" r:id="rId12"/>
-    <p:sldId id="267" r:id="rId13"/>
-    <p:sldId id="268" r:id="rId14"/>
-    <p:sldId id="269" r:id="rId15"/>
-    <p:sldId id="270" r:id="rId16"/>
-    <p:sldId id="271" r:id="rId17"/>
-    <p:sldId id="272" r:id="rId18"/>
-    <p:sldId id="273" r:id="rId19"/>
-    <p:sldId id="274" r:id="rId20"/>
-    <p:sldId id="275" r:id="rId21"/>
-    <p:sldId id="276" r:id="rId22"/>
-    <p:sldId id="277" r:id="rId23"/>
-    <p:sldId id="278" r:id="rId24"/>
-    <p:sldId id="279" r:id="rId25"/>
-    <p:sldId id="280" r:id="rId26"/>
-    <p:sldId id="281" r:id="rId27"/>
-    <p:sldId id="282" r:id="rId28"/>
-    <p:sldId id="283" r:id="rId29"/>
-    <p:sldId id="284" r:id="rId30"/>
+    <p:sldId id="261" r:id="rId6"/>
+    <p:sldId id="262" r:id="rId7"/>
+    <p:sldId id="263" r:id="rId8"/>
+    <p:sldId id="264" r:id="rId9"/>
+    <p:sldId id="265" r:id="rId10"/>
+    <p:sldId id="266" r:id="rId11"/>
+    <p:sldId id="267" r:id="rId12"/>
+    <p:sldId id="268" r:id="rId13"/>
+    <p:sldId id="269" r:id="rId14"/>
+    <p:sldId id="270" r:id="rId15"/>
+    <p:sldId id="271" r:id="rId16"/>
+    <p:sldId id="272" r:id="rId17"/>
+    <p:sldId id="273" r:id="rId18"/>
+    <p:sldId id="274" r:id="rId19"/>
+    <p:sldId id="275" r:id="rId20"/>
+    <p:sldId id="276" r:id="rId21"/>
+    <p:sldId id="277" r:id="rId22"/>
+    <p:sldId id="278" r:id="rId23"/>
+    <p:sldId id="279" r:id="rId24"/>
+    <p:sldId id="280" r:id="rId25"/>
+    <p:sldId id="281" r:id="rId26"/>
+    <p:sldId id="282" r:id="rId27"/>
+    <p:sldId id="283" r:id="rId28"/>
+    <p:sldId id="284" r:id="rId29"/>
+    <p:sldId id="296" r:id="rId30"/>
     <p:sldId id="285" r:id="rId31"/>
-    <p:sldId id="286" r:id="rId32"/>
-    <p:sldId id="287" r:id="rId33"/>
-    <p:sldId id="288" r:id="rId34"/>
+    <p:sldId id="297" r:id="rId32"/>
+    <p:sldId id="286" r:id="rId33"/>
+    <p:sldId id="298" r:id="rId34"/>
     <p:sldId id="289" r:id="rId35"/>
-    <p:sldId id="290" r:id="rId36"/>
-    <p:sldId id="291" r:id="rId37"/>
-    <p:sldId id="292" r:id="rId38"/>
-    <p:sldId id="293" r:id="rId39"/>
-    <p:sldId id="294" r:id="rId40"/>
-    <p:sldId id="295" r:id="rId41"/>
+    <p:sldId id="299" r:id="rId36"/>
+    <p:sldId id="290" r:id="rId37"/>
+    <p:sldId id="300" r:id="rId38"/>
+    <p:sldId id="291" r:id="rId39"/>
+    <p:sldId id="292" r:id="rId40"/>
+    <p:sldId id="293" r:id="rId41"/>
+    <p:sldId id="294" r:id="rId42"/>
+    <p:sldId id="295" r:id="rId43"/>
   </p:sldIdLst>
   <p:sldSz cx="12192000" cy="6858000"/>
   <p:notesSz cx="6858000" cy="9144000"/>
@@ -6894,7 +6896,7 @@
           <a:p>
             <a:fld id="{C43A76A3-ADC8-4477-8FC1-B9DD55D84908}" type="datetime1">
               <a:rPr lang="en-US" smtClean="0"/>
-              <a:t>3/11/2023</a:t>
+              <a:t>3/12/2023</a:t>
             </a:fld>
             <a:endParaRPr lang="en-US"/>
           </a:p>
@@ -7092,7 +7094,7 @@
           <a:p>
             <a:fld id="{D6762538-DC4D-4667-96E5-B3278DDF8B12}" type="datetime1">
               <a:rPr lang="en-US" smtClean="0"/>
-              <a:t>3/11/2023</a:t>
+              <a:t>3/12/2023</a:t>
             </a:fld>
             <a:endParaRPr lang="en-US"/>
           </a:p>
@@ -7300,7 +7302,7 @@
           <a:p>
             <a:fld id="{05880548-5C08-4BE3-B63E-F2BB63B0B00C}" type="datetime1">
               <a:rPr lang="en-US" smtClean="0"/>
-              <a:t>3/11/2023</a:t>
+              <a:t>3/12/2023</a:t>
             </a:fld>
             <a:endParaRPr lang="en-US"/>
           </a:p>
@@ -7498,7 +7500,7 @@
           <a:p>
             <a:fld id="{DE7F49BE-398D-479A-8A7E-5DDBCA61EDCB}" type="datetime1">
               <a:rPr lang="en-US" smtClean="0"/>
-              <a:t>3/11/2023</a:t>
+              <a:t>3/12/2023</a:t>
             </a:fld>
             <a:endParaRPr lang="en-US"/>
           </a:p>
@@ -7774,7 +7776,7 @@
           <a:p>
             <a:fld id="{CCD0C193-4974-4A1F-9C63-07D595E30D66}" type="datetime1">
               <a:rPr lang="en-US" smtClean="0"/>
-              <a:t>3/11/2023</a:t>
+              <a:t>3/12/2023</a:t>
             </a:fld>
             <a:endParaRPr lang="en-US"/>
           </a:p>
@@ -8041,7 +8043,7 @@
           <a:p>
             <a:fld id="{701AA87F-28D4-4BF0-B81F-877A89DFD5AC}" type="datetime1">
               <a:rPr lang="en-US" smtClean="0"/>
-              <a:t>3/11/2023</a:t>
+              <a:t>3/12/2023</a:t>
             </a:fld>
             <a:endParaRPr lang="en-US"/>
           </a:p>
@@ -8455,7 +8457,7 @@
           <a:p>
             <a:fld id="{A8A9F1F3-208B-49A3-B337-9C8ACEB3E0E1}" type="datetime1">
               <a:rPr lang="en-US" smtClean="0"/>
-              <a:t>3/11/2023</a:t>
+              <a:t>3/12/2023</a:t>
             </a:fld>
             <a:endParaRPr lang="en-US"/>
           </a:p>
@@ -8602,7 +8604,7 @@
           <a:p>
             <a:fld id="{27AF6CA6-7293-4AA2-A0E0-A3BF4416E786}" type="datetime1">
               <a:rPr lang="en-US" smtClean="0"/>
-              <a:t>3/11/2023</a:t>
+              <a:t>3/12/2023</a:t>
             </a:fld>
             <a:endParaRPr lang="en-US"/>
           </a:p>
@@ -8715,7 +8717,7 @@
           <a:p>
             <a:fld id="{98D87016-7BCD-46FB-8EE3-AB6C369108B4}" type="datetime1">
               <a:rPr lang="en-US" smtClean="0"/>
-              <a:t>3/11/2023</a:t>
+              <a:t>3/12/2023</a:t>
             </a:fld>
             <a:endParaRPr lang="en-US"/>
           </a:p>
@@ -9034,7 +9036,7 @@
           <a:p>
             <a:fld id="{A1547011-1FFC-4EF8-9A2E-53B4AD2ADBD4}" type="datetime1">
               <a:rPr lang="en-US" smtClean="0"/>
-              <a:t>3/11/2023</a:t>
+              <a:t>3/12/2023</a:t>
             </a:fld>
             <a:endParaRPr lang="en-US"/>
           </a:p>
@@ -9328,7 +9330,7 @@
           <a:p>
             <a:fld id="{9562EB47-45B4-4EF5-A743-B4885DD2F060}" type="datetime1">
               <a:rPr lang="en-US" smtClean="0"/>
-              <a:t>3/11/2023</a:t>
+              <a:t>3/12/2023</a:t>
             </a:fld>
             <a:endParaRPr lang="en-US"/>
           </a:p>
@@ -10713,7 +10715,7 @@
           <a:p>
             <a:fld id="{4A8D24A4-5FEC-4062-8995-EB21925B3B40}" type="datetime1">
               <a:rPr lang="en-US" smtClean="0"/>
-              <a:t>3/11/2023</a:t>
+              <a:t>3/12/2023</a:t>
             </a:fld>
             <a:endParaRPr lang="en-US" sz="1000"/>
           </a:p>
@@ -12050,213 +12052,6 @@
           <p:cNvPr id="4" name="TextBox 3">
             <a:extLst>
               <a:ext uri="{FF2B5EF4-FFF2-40B4-BE49-F238E27FC236}">
-                <a16:creationId xmlns:a16="http://schemas.microsoft.com/office/drawing/2014/main" id="{A00B1095-30AC-A6AC-F9CB-885F87D803CF}"/>
-              </a:ext>
-            </a:extLst>
-          </p:cNvPr>
-          <p:cNvSpPr txBox="1"/>
-          <p:nvPr/>
-        </p:nvSpPr>
-        <p:spPr>
-          <a:xfrm>
-            <a:off x="4141694" y="382697"/>
-            <a:ext cx="6427694" cy="584775"/>
-          </a:xfrm>
-          <a:prstGeom prst="rect">
-            <a:avLst/>
-          </a:prstGeom>
-          <a:noFill/>
-        </p:spPr>
-        <p:txBody>
-          <a:bodyPr wrap="square" rtlCol="0">
-            <a:spAutoFit/>
-          </a:bodyPr>
-          <a:lstStyle/>
-          <a:p>
-            <a:r>
-              <a:rPr lang="en-US" sz="3200">
-                <a:latin typeface="Calibri" panose="020F0502020204030204" pitchFamily="34" charset="0"/>
-                <a:ea typeface="Calibri" panose="020F0502020204030204" pitchFamily="34" charset="0"/>
-                <a:cs typeface="Calibri" panose="020F0502020204030204" pitchFamily="34" charset="0"/>
-              </a:rPr>
-              <a:t>Example about Label</a:t>
-            </a:r>
-          </a:p>
-        </p:txBody>
-      </p:sp>
-      <p:pic>
-        <p:nvPicPr>
-          <p:cNvPr id="6" name="Picture 5">
-            <a:extLst>
-              <a:ext uri="{FF2B5EF4-FFF2-40B4-BE49-F238E27FC236}">
-                <a16:creationId xmlns:a16="http://schemas.microsoft.com/office/drawing/2014/main" id="{C65D3F6D-8ADF-B654-D189-774DB58CA43A}"/>
-              </a:ext>
-            </a:extLst>
-          </p:cNvPr>
-          <p:cNvPicPr>
-            <a:picLocks noChangeAspect="1"/>
-          </p:cNvPicPr>
-          <p:nvPr/>
-        </p:nvPicPr>
-        <p:blipFill>
-          <a:blip r:embed="rId2"/>
-          <a:stretch>
-            <a:fillRect/>
-          </a:stretch>
-        </p:blipFill>
-        <p:spPr>
-          <a:xfrm>
-            <a:off x="196581" y="1673841"/>
-            <a:ext cx="4465707" cy="1112616"/>
-          </a:xfrm>
-          <a:prstGeom prst="rect">
-            <a:avLst/>
-          </a:prstGeom>
-        </p:spPr>
-      </p:pic>
-      <p:pic>
-        <p:nvPicPr>
-          <p:cNvPr id="8" name="Picture 7">
-            <a:extLst>
-              <a:ext uri="{FF2B5EF4-FFF2-40B4-BE49-F238E27FC236}">
-                <a16:creationId xmlns:a16="http://schemas.microsoft.com/office/drawing/2014/main" id="{E5783B13-8BC9-2929-737B-A6702793EF72}"/>
-              </a:ext>
-            </a:extLst>
-          </p:cNvPr>
-          <p:cNvPicPr>
-            <a:picLocks noChangeAspect="1"/>
-          </p:cNvPicPr>
-          <p:nvPr/>
-        </p:nvPicPr>
-        <p:blipFill>
-          <a:blip r:embed="rId3"/>
-          <a:stretch>
-            <a:fillRect/>
-          </a:stretch>
-        </p:blipFill>
-        <p:spPr>
-          <a:xfrm>
-            <a:off x="196581" y="4783971"/>
-            <a:ext cx="5791702" cy="1044030"/>
-          </a:xfrm>
-          <a:prstGeom prst="rect">
-            <a:avLst/>
-          </a:prstGeom>
-        </p:spPr>
-      </p:pic>
-      <p:sp>
-        <p:nvSpPr>
-          <p:cNvPr id="9" name="TextBox 8">
-            <a:extLst>
-              <a:ext uri="{FF2B5EF4-FFF2-40B4-BE49-F238E27FC236}">
-                <a16:creationId xmlns:a16="http://schemas.microsoft.com/office/drawing/2014/main" id="{F82C406A-886B-F2A3-8C53-314503FB1F9F}"/>
-              </a:ext>
-            </a:extLst>
-          </p:cNvPr>
-          <p:cNvSpPr txBox="1"/>
-          <p:nvPr/>
-        </p:nvSpPr>
-        <p:spPr>
-          <a:xfrm>
-            <a:off x="7593105" y="2045483"/>
-            <a:ext cx="3908612" cy="646331"/>
-          </a:xfrm>
-          <a:prstGeom prst="rect">
-            <a:avLst/>
-          </a:prstGeom>
-          <a:noFill/>
-        </p:spPr>
-        <p:txBody>
-          <a:bodyPr wrap="square" rtlCol="0">
-            <a:spAutoFit/>
-          </a:bodyPr>
-          <a:lstStyle/>
-          <a:p>
-            <a:r>
-              <a:rPr lang="en-US">
-                <a:latin typeface="Calibri" panose="020F0502020204030204" pitchFamily="34" charset="0"/>
-                <a:ea typeface="Calibri" panose="020F0502020204030204" pitchFamily="34" charset="0"/>
-                <a:cs typeface="Calibri" panose="020F0502020204030204" pitchFamily="34" charset="0"/>
-              </a:rPr>
-              <a:t>Input data for analysis: file raw_titles1.csv</a:t>
-            </a:r>
-          </a:p>
-        </p:txBody>
-      </p:sp>
-      <p:sp>
-        <p:nvSpPr>
-          <p:cNvPr id="10" name="TextBox 9">
-            <a:extLst>
-              <a:ext uri="{FF2B5EF4-FFF2-40B4-BE49-F238E27FC236}">
-                <a16:creationId xmlns:a16="http://schemas.microsoft.com/office/drawing/2014/main" id="{6BCFD986-9BCC-CE77-678B-BC6F3EE0F896}"/>
-              </a:ext>
-            </a:extLst>
-          </p:cNvPr>
-          <p:cNvSpPr txBox="1"/>
-          <p:nvPr/>
-        </p:nvSpPr>
-        <p:spPr>
-          <a:xfrm>
-            <a:off x="7673788" y="4982820"/>
-            <a:ext cx="3299012" cy="646331"/>
-          </a:xfrm>
-          <a:prstGeom prst="rect">
-            <a:avLst/>
-          </a:prstGeom>
-          <a:noFill/>
-        </p:spPr>
-        <p:txBody>
-          <a:bodyPr wrap="square" rtlCol="0">
-            <a:spAutoFit/>
-          </a:bodyPr>
-          <a:lstStyle/>
-          <a:p>
-            <a:r>
-              <a:rPr lang="en-US">
-                <a:latin typeface="Calibri" panose="020F0502020204030204" pitchFamily="34" charset="0"/>
-                <a:ea typeface="Calibri" panose="020F0502020204030204" pitchFamily="34" charset="0"/>
-                <a:cs typeface="Calibri" panose="020F0502020204030204" pitchFamily="34" charset="0"/>
-              </a:rPr>
-              <a:t>Output data after being analysis: file raw_title_new1.csv</a:t>
-            </a:r>
-          </a:p>
-        </p:txBody>
-      </p:sp>
-    </p:spTree>
-    <p:extLst>
-      <p:ext uri="{BB962C8B-B14F-4D97-AF65-F5344CB8AC3E}">
-        <p14:creationId xmlns:p14="http://schemas.microsoft.com/office/powerpoint/2010/main" val="2013724442"/>
-      </p:ext>
-    </p:extLst>
-  </p:cSld>
-  <p:clrMapOvr>
-    <a:masterClrMapping/>
-  </p:clrMapOvr>
-</p:sld>
-</file>
-
-<file path=ppt/slides/slide11.xml><?xml version="1.0" encoding="utf-8"?>
-<p:sld xmlns:a="http://schemas.openxmlformats.org/drawingml/2006/main" xmlns:r="http://schemas.openxmlformats.org/officeDocument/2006/relationships" xmlns:p="http://schemas.openxmlformats.org/presentationml/2006/main">
-  <p:cSld>
-    <p:spTree>
-      <p:nvGrpSpPr>
-        <p:cNvPr id="1" name=""/>
-        <p:cNvGrpSpPr/>
-        <p:nvPr/>
-      </p:nvGrpSpPr>
-      <p:grpSpPr>
-        <a:xfrm>
-          <a:off x="0" y="0"/>
-          <a:ext cx="0" cy="0"/>
-          <a:chOff x="0" y="0"/>
-          <a:chExt cx="0" cy="0"/>
-        </a:xfrm>
-      </p:grpSpPr>
-      <p:sp>
-        <p:nvSpPr>
-          <p:cNvPr id="4" name="TextBox 3">
-            <a:extLst>
-              <a:ext uri="{FF2B5EF4-FFF2-40B4-BE49-F238E27FC236}">
                 <a16:creationId xmlns:a16="http://schemas.microsoft.com/office/drawing/2014/main" id="{5FDF4BF7-3E58-D4AD-428D-AE4DEC5AFBD5}"/>
               </a:ext>
             </a:extLst>
@@ -12517,7 +12312,7 @@
 </p:sld>
 </file>
 
-<file path=ppt/slides/slide12.xml><?xml version="1.0" encoding="utf-8"?>
+<file path=ppt/slides/slide11.xml><?xml version="1.0" encoding="utf-8"?>
 <p:sld xmlns:a="http://schemas.openxmlformats.org/drawingml/2006/main" xmlns:r="http://schemas.openxmlformats.org/officeDocument/2006/relationships" xmlns:p="http://schemas.openxmlformats.org/presentationml/2006/main">
   <p:cSld>
     <p:spTree>
@@ -12727,7 +12522,7 @@
 </p:sld>
 </file>
 
-<file path=ppt/slides/slide13.xml><?xml version="1.0" encoding="utf-8"?>
+<file path=ppt/slides/slide12.xml><?xml version="1.0" encoding="utf-8"?>
 <p:sld xmlns:a="http://schemas.openxmlformats.org/drawingml/2006/main" xmlns:r="http://schemas.openxmlformats.org/officeDocument/2006/relationships" xmlns:p="http://schemas.openxmlformats.org/presentationml/2006/main">
   <p:cSld>
     <p:spTree>
@@ -12938,7 +12733,7 @@
 </p:sld>
 </file>
 
-<file path=ppt/slides/slide14.xml><?xml version="1.0" encoding="utf-8"?>
+<file path=ppt/slides/slide13.xml><?xml version="1.0" encoding="utf-8"?>
 <p:sld xmlns:a="http://schemas.openxmlformats.org/drawingml/2006/main" xmlns:r="http://schemas.openxmlformats.org/officeDocument/2006/relationships" xmlns:p="http://schemas.openxmlformats.org/presentationml/2006/main">
   <p:cSld>
     <p:spTree>
@@ -13101,7 +12896,7 @@
 </p:sld>
 </file>
 
-<file path=ppt/slides/slide15.xml><?xml version="1.0" encoding="utf-8"?>
+<file path=ppt/slides/slide14.xml><?xml version="1.0" encoding="utf-8"?>
 <p:sld xmlns:a="http://schemas.openxmlformats.org/drawingml/2006/main" xmlns:r="http://schemas.openxmlformats.org/officeDocument/2006/relationships" xmlns:p="http://schemas.openxmlformats.org/presentationml/2006/main">
   <p:cSld>
     <p:spTree>
@@ -13614,7 +13409,7 @@
 </p:sld>
 </file>
 
-<file path=ppt/slides/slide16.xml><?xml version="1.0" encoding="utf-8"?>
+<file path=ppt/slides/slide15.xml><?xml version="1.0" encoding="utf-8"?>
 <p:sld xmlns:a="http://schemas.openxmlformats.org/drawingml/2006/main" xmlns:r="http://schemas.openxmlformats.org/officeDocument/2006/relationships" xmlns:p="http://schemas.openxmlformats.org/presentationml/2006/main">
   <p:cSld>
     <p:spTree>
@@ -13785,7 +13580,7 @@
 </p:sld>
 </file>
 
-<file path=ppt/slides/slide17.xml><?xml version="1.0" encoding="utf-8"?>
+<file path=ppt/slides/slide16.xml><?xml version="1.0" encoding="utf-8"?>
 <p:sld xmlns:a="http://schemas.openxmlformats.org/drawingml/2006/main" xmlns:r="http://schemas.openxmlformats.org/officeDocument/2006/relationships" xmlns:p="http://schemas.openxmlformats.org/presentationml/2006/main">
   <p:cSld>
     <p:spTree>
@@ -13979,7 +13774,7 @@
 </p:sld>
 </file>
 
-<file path=ppt/slides/slide18.xml><?xml version="1.0" encoding="utf-8"?>
+<file path=ppt/slides/slide17.xml><?xml version="1.0" encoding="utf-8"?>
 <p:sld xmlns:a="http://schemas.openxmlformats.org/drawingml/2006/main" xmlns:r="http://schemas.openxmlformats.org/officeDocument/2006/relationships" xmlns:p="http://schemas.openxmlformats.org/presentationml/2006/main">
   <p:cSld>
     <p:spTree>
@@ -14196,7 +13991,7 @@
 </p:sld>
 </file>
 
-<file path=ppt/slides/slide19.xml><?xml version="1.0" encoding="utf-8"?>
+<file path=ppt/slides/slide18.xml><?xml version="1.0" encoding="utf-8"?>
 <p:sld xmlns:a="http://schemas.openxmlformats.org/drawingml/2006/main" xmlns:r="http://schemas.openxmlformats.org/officeDocument/2006/relationships" xmlns:p="http://schemas.openxmlformats.org/presentationml/2006/main">
   <p:cSld>
     <p:bg>
@@ -15175,6 +14970,322 @@
 </p:sld>
 </file>
 
+<file path=ppt/slides/slide19.xml><?xml version="1.0" encoding="utf-8"?>
+<p:sld xmlns:a="http://schemas.openxmlformats.org/drawingml/2006/main" xmlns:r="http://schemas.openxmlformats.org/officeDocument/2006/relationships" xmlns:p="http://schemas.openxmlformats.org/presentationml/2006/main">
+  <p:cSld>
+    <p:spTree>
+      <p:nvGrpSpPr>
+        <p:cNvPr id="1" name=""/>
+        <p:cNvGrpSpPr/>
+        <p:nvPr/>
+      </p:nvGrpSpPr>
+      <p:grpSpPr>
+        <a:xfrm>
+          <a:off x="0" y="0"/>
+          <a:ext cx="0" cy="0"/>
+          <a:chOff x="0" y="0"/>
+          <a:chExt cx="0" cy="0"/>
+        </a:xfrm>
+      </p:grpSpPr>
+      <p:sp>
+        <p:nvSpPr>
+          <p:cNvPr id="4" name="TextBox 3">
+            <a:extLst>
+              <a:ext uri="{FF2B5EF4-FFF2-40B4-BE49-F238E27FC236}">
+                <a16:creationId xmlns:a16="http://schemas.microsoft.com/office/drawing/2014/main" id="{C53D4723-D2C9-0FF7-149A-5C5AB37916F6}"/>
+              </a:ext>
+            </a:extLst>
+          </p:cNvPr>
+          <p:cNvSpPr txBox="1"/>
+          <p:nvPr/>
+        </p:nvSpPr>
+        <p:spPr>
+          <a:xfrm>
+            <a:off x="5155827" y="261097"/>
+            <a:ext cx="2680446" cy="707886"/>
+          </a:xfrm>
+          <a:prstGeom prst="rect">
+            <a:avLst/>
+          </a:prstGeom>
+          <a:noFill/>
+        </p:spPr>
+        <p:txBody>
+          <a:bodyPr wrap="square" rtlCol="0">
+            <a:spAutoFit/>
+          </a:bodyPr>
+          <a:lstStyle/>
+          <a:p>
+            <a:r>
+              <a:rPr lang="en-US" sz="4000">
+                <a:latin typeface="Calibri" panose="020F0502020204030204" pitchFamily="34" charset="0"/>
+                <a:ea typeface="Calibri" panose="020F0502020204030204" pitchFamily="34" charset="0"/>
+                <a:cs typeface="Calibri" panose="020F0502020204030204" pitchFamily="34" charset="0"/>
+              </a:rPr>
+              <a:t>Dataset</a:t>
+            </a:r>
+          </a:p>
+        </p:txBody>
+      </p:sp>
+      <p:pic>
+        <p:nvPicPr>
+          <p:cNvPr id="8" name="Picture 7">
+            <a:extLst>
+              <a:ext uri="{FF2B5EF4-FFF2-40B4-BE49-F238E27FC236}">
+                <a16:creationId xmlns:a16="http://schemas.microsoft.com/office/drawing/2014/main" id="{5F31869D-5BA7-3C56-69A5-59BC046FBA59}"/>
+              </a:ext>
+            </a:extLst>
+          </p:cNvPr>
+          <p:cNvPicPr>
+            <a:picLocks noChangeAspect="1"/>
+          </p:cNvPicPr>
+          <p:nvPr/>
+        </p:nvPicPr>
+        <p:blipFill>
+          <a:blip r:embed="rId2"/>
+          <a:stretch>
+            <a:fillRect/>
+          </a:stretch>
+        </p:blipFill>
+        <p:spPr>
+          <a:xfrm>
+            <a:off x="1980843" y="1409617"/>
+            <a:ext cx="8230313" cy="1905165"/>
+          </a:xfrm>
+          <a:prstGeom prst="rect">
+            <a:avLst/>
+          </a:prstGeom>
+        </p:spPr>
+      </p:pic>
+      <p:sp>
+        <p:nvSpPr>
+          <p:cNvPr id="9" name="TextBox 8">
+            <a:extLst>
+              <a:ext uri="{FF2B5EF4-FFF2-40B4-BE49-F238E27FC236}">
+                <a16:creationId xmlns:a16="http://schemas.microsoft.com/office/drawing/2014/main" id="{36E051A9-C994-D60D-D63F-D814240128BD}"/>
+              </a:ext>
+            </a:extLst>
+          </p:cNvPr>
+          <p:cNvSpPr txBox="1"/>
+          <p:nvPr/>
+        </p:nvSpPr>
+        <p:spPr>
+          <a:xfrm>
+            <a:off x="1651747" y="3718679"/>
+            <a:ext cx="9410700" cy="2862322"/>
+          </a:xfrm>
+          <a:prstGeom prst="rect">
+            <a:avLst/>
+          </a:prstGeom>
+          <a:noFill/>
+        </p:spPr>
+        <p:txBody>
+          <a:bodyPr wrap="square" rtlCol="0">
+            <a:spAutoFit/>
+          </a:bodyPr>
+          <a:lstStyle/>
+          <a:p>
+            <a:pPr marL="285750" indent="-285750">
+              <a:buFont typeface="Arial" panose="020B0604020202020204" pitchFamily="34" charset="0"/>
+              <a:buChar char="•"/>
+            </a:pPr>
+            <a:r>
+              <a:rPr lang="en-US">
+                <a:latin typeface="Calibri" panose="020F0502020204030204" pitchFamily="34" charset="0"/>
+                <a:ea typeface="Calibri" panose="020F0502020204030204" pitchFamily="34" charset="0"/>
+                <a:cs typeface="Calibri" panose="020F0502020204030204" pitchFamily="34" charset="0"/>
+              </a:rPr>
+              <a:t>This dataset shows the votes and ratings for the movies listed above.</a:t>
+            </a:r>
+          </a:p>
+          <a:p>
+            <a:pPr marL="285750" indent="-285750">
+              <a:buFont typeface="Arial" panose="020B0604020202020204" pitchFamily="34" charset="0"/>
+              <a:buChar char="•"/>
+            </a:pPr>
+            <a:r>
+              <a:rPr lang="en-US">
+                <a:latin typeface="Calibri" panose="020F0502020204030204" pitchFamily="34" charset="0"/>
+                <a:ea typeface="Calibri" panose="020F0502020204030204" pitchFamily="34" charset="0"/>
+                <a:cs typeface="Calibri" panose="020F0502020204030204" pitchFamily="34" charset="0"/>
+              </a:rPr>
+              <a:t>The table above contains 13 columns and 5807 rows.</a:t>
+            </a:r>
+          </a:p>
+          <a:p>
+            <a:pPr marL="285750" indent="-285750">
+              <a:buFont typeface="Arial" panose="020B0604020202020204" pitchFamily="34" charset="0"/>
+              <a:buChar char="•"/>
+            </a:pPr>
+            <a:r>
+              <a:rPr lang="en-US">
+                <a:latin typeface="Calibri" panose="020F0502020204030204" pitchFamily="34" charset="0"/>
+                <a:ea typeface="Calibri" panose="020F0502020204030204" pitchFamily="34" charset="0"/>
+                <a:cs typeface="Calibri" panose="020F0502020204030204" pitchFamily="34" charset="0"/>
+              </a:rPr>
+              <a:t>The columns contain information such as: index, id, title, type, </a:t>
+            </a:r>
+            <a:r>
+              <a:rPr lang="en-US" err="1">
+                <a:latin typeface="Calibri" panose="020F0502020204030204" pitchFamily="34" charset="0"/>
+                <a:ea typeface="Calibri" panose="020F0502020204030204" pitchFamily="34" charset="0"/>
+                <a:cs typeface="Calibri" panose="020F0502020204030204" pitchFamily="34" charset="0"/>
+              </a:rPr>
+              <a:t>release_year</a:t>
+            </a:r>
+            <a:r>
+              <a:rPr lang="en-US">
+                <a:latin typeface="Calibri" panose="020F0502020204030204" pitchFamily="34" charset="0"/>
+                <a:ea typeface="Calibri" panose="020F0502020204030204" pitchFamily="34" charset="0"/>
+                <a:cs typeface="Calibri" panose="020F0502020204030204" pitchFamily="34" charset="0"/>
+              </a:rPr>
+              <a:t>, </a:t>
+            </a:r>
+            <a:r>
+              <a:rPr lang="en-US" err="1">
+                <a:latin typeface="Calibri" panose="020F0502020204030204" pitchFamily="34" charset="0"/>
+                <a:ea typeface="Calibri" panose="020F0502020204030204" pitchFamily="34" charset="0"/>
+                <a:cs typeface="Calibri" panose="020F0502020204030204" pitchFamily="34" charset="0"/>
+              </a:rPr>
+              <a:t>age_certificate</a:t>
+            </a:r>
+            <a:r>
+              <a:rPr lang="en-US">
+                <a:latin typeface="Calibri" panose="020F0502020204030204" pitchFamily="34" charset="0"/>
+                <a:ea typeface="Calibri" panose="020F0502020204030204" pitchFamily="34" charset="0"/>
+                <a:cs typeface="Calibri" panose="020F0502020204030204" pitchFamily="34" charset="0"/>
+              </a:rPr>
+              <a:t>, runtime, genres, </a:t>
+            </a:r>
+            <a:r>
+              <a:rPr lang="en-US" err="1">
+                <a:latin typeface="Calibri" panose="020F0502020204030204" pitchFamily="34" charset="0"/>
+                <a:ea typeface="Calibri" panose="020F0502020204030204" pitchFamily="34" charset="0"/>
+                <a:cs typeface="Calibri" panose="020F0502020204030204" pitchFamily="34" charset="0"/>
+              </a:rPr>
+              <a:t>production_country</a:t>
+            </a:r>
+            <a:r>
+              <a:rPr lang="en-US">
+                <a:latin typeface="Calibri" panose="020F0502020204030204" pitchFamily="34" charset="0"/>
+                <a:ea typeface="Calibri" panose="020F0502020204030204" pitchFamily="34" charset="0"/>
+                <a:cs typeface="Calibri" panose="020F0502020204030204" pitchFamily="34" charset="0"/>
+              </a:rPr>
+              <a:t>, seasons, </a:t>
+            </a:r>
+            <a:r>
+              <a:rPr lang="en-US" err="1">
+                <a:latin typeface="Calibri" panose="020F0502020204030204" pitchFamily="34" charset="0"/>
+                <a:ea typeface="Calibri" panose="020F0502020204030204" pitchFamily="34" charset="0"/>
+                <a:cs typeface="Calibri" panose="020F0502020204030204" pitchFamily="34" charset="0"/>
+              </a:rPr>
+              <a:t>imdb_id</a:t>
+            </a:r>
+            <a:r>
+              <a:rPr lang="en-US">
+                <a:latin typeface="Calibri" panose="020F0502020204030204" pitchFamily="34" charset="0"/>
+                <a:ea typeface="Calibri" panose="020F0502020204030204" pitchFamily="34" charset="0"/>
+                <a:cs typeface="Calibri" panose="020F0502020204030204" pitchFamily="34" charset="0"/>
+              </a:rPr>
+              <a:t>, </a:t>
+            </a:r>
+            <a:r>
+              <a:rPr lang="en-US" err="1">
+                <a:latin typeface="Calibri" panose="020F0502020204030204" pitchFamily="34" charset="0"/>
+                <a:ea typeface="Calibri" panose="020F0502020204030204" pitchFamily="34" charset="0"/>
+                <a:cs typeface="Calibri" panose="020F0502020204030204" pitchFamily="34" charset="0"/>
+              </a:rPr>
+              <a:t>imdb_score</a:t>
+            </a:r>
+            <a:r>
+              <a:rPr lang="en-US">
+                <a:latin typeface="Calibri" panose="020F0502020204030204" pitchFamily="34" charset="0"/>
+                <a:ea typeface="Calibri" panose="020F0502020204030204" pitchFamily="34" charset="0"/>
+                <a:cs typeface="Calibri" panose="020F0502020204030204" pitchFamily="34" charset="0"/>
+              </a:rPr>
+              <a:t>, </a:t>
+            </a:r>
+            <a:r>
+              <a:rPr lang="en-US" err="1">
+                <a:latin typeface="Calibri" panose="020F0502020204030204" pitchFamily="34" charset="0"/>
+                <a:ea typeface="Calibri" panose="020F0502020204030204" pitchFamily="34" charset="0"/>
+                <a:cs typeface="Calibri" panose="020F0502020204030204" pitchFamily="34" charset="0"/>
+              </a:rPr>
+              <a:t>imdb_votes</a:t>
+            </a:r>
+            <a:endParaRPr lang="en-US">
+              <a:latin typeface="Calibri" panose="020F0502020204030204" pitchFamily="34" charset="0"/>
+              <a:ea typeface="Calibri" panose="020F0502020204030204" pitchFamily="34" charset="0"/>
+              <a:cs typeface="Calibri" panose="020F0502020204030204" pitchFamily="34" charset="0"/>
+            </a:endParaRPr>
+          </a:p>
+          <a:p>
+            <a:pPr marL="285750" indent="-285750">
+              <a:buFont typeface="Arial" panose="020B0604020202020204" pitchFamily="34" charset="0"/>
+              <a:buChar char="•"/>
+            </a:pPr>
+            <a:r>
+              <a:rPr lang="en-US">
+                <a:latin typeface="Calibri" panose="020F0502020204030204" pitchFamily="34" charset="0"/>
+                <a:ea typeface="Calibri" panose="020F0502020204030204" pitchFamily="34" charset="0"/>
+                <a:cs typeface="Calibri" panose="020F0502020204030204" pitchFamily="34" charset="0"/>
+              </a:rPr>
+              <a:t>In this dataset, it has not been scientifically optimized, so we will perform data cleaning steps such as: delete the id column, </a:t>
+            </a:r>
+            <a:r>
+              <a:rPr lang="en-US" err="1">
+                <a:latin typeface="Calibri" panose="020F0502020204030204" pitchFamily="34" charset="0"/>
+                <a:ea typeface="Calibri" panose="020F0502020204030204" pitchFamily="34" charset="0"/>
+                <a:cs typeface="Calibri" panose="020F0502020204030204" pitchFamily="34" charset="0"/>
+              </a:rPr>
+              <a:t>imdb_id</a:t>
+            </a:r>
+            <a:r>
+              <a:rPr lang="en-US">
+                <a:latin typeface="Calibri" panose="020F0502020204030204" pitchFamily="34" charset="0"/>
+                <a:ea typeface="Calibri" panose="020F0502020204030204" pitchFamily="34" charset="0"/>
+                <a:cs typeface="Calibri" panose="020F0502020204030204" pitchFamily="34" charset="0"/>
+              </a:rPr>
+              <a:t>, the type column has the first word in uppercase, </a:t>
+            </a:r>
+            <a:r>
+              <a:rPr lang="en-US" err="1">
+                <a:latin typeface="Calibri" panose="020F0502020204030204" pitchFamily="34" charset="0"/>
+                <a:ea typeface="Calibri" panose="020F0502020204030204" pitchFamily="34" charset="0"/>
+                <a:cs typeface="Calibri" panose="020F0502020204030204" pitchFamily="34" charset="0"/>
+              </a:rPr>
+              <a:t>age_certification</a:t>
+            </a:r>
+            <a:r>
+              <a:rPr lang="en-US">
+                <a:latin typeface="Calibri" panose="020F0502020204030204" pitchFamily="34" charset="0"/>
+                <a:ea typeface="Calibri" panose="020F0502020204030204" pitchFamily="34" charset="0"/>
+                <a:cs typeface="Calibri" panose="020F0502020204030204" pitchFamily="34" charset="0"/>
+              </a:rPr>
+              <a:t> changes to the number according to age, genre changes to "crime, drama", country changes to country-specific names, seasons to integers, votes to integers, add column number of genre.</a:t>
+            </a:r>
+          </a:p>
+          <a:p>
+            <a:endParaRPr lang="en-US">
+              <a:latin typeface="Calibri" panose="020F0502020204030204" pitchFamily="34" charset="0"/>
+              <a:ea typeface="Calibri" panose="020F0502020204030204" pitchFamily="34" charset="0"/>
+              <a:cs typeface="Calibri" panose="020F0502020204030204" pitchFamily="34" charset="0"/>
+            </a:endParaRPr>
+          </a:p>
+        </p:txBody>
+      </p:sp>
+    </p:spTree>
+    <p:extLst>
+      <p:ext uri="{BB962C8B-B14F-4D97-AF65-F5344CB8AC3E}">
+        <p14:creationId xmlns:p14="http://schemas.microsoft.com/office/powerpoint/2010/main" val="1010276302"/>
+      </p:ext>
+    </p:extLst>
+  </p:cSld>
+  <p:clrMapOvr>
+    <a:masterClrMapping/>
+  </p:clrMapOvr>
+</p:sld>
+</file>
+
 <file path=ppt/slides/slide2.xml><?xml version="1.0" encoding="utf-8"?>
 <p:sld xmlns:a="http://schemas.openxmlformats.org/drawingml/2006/main" xmlns:r="http://schemas.openxmlformats.org/officeDocument/2006/relationships" xmlns:p="http://schemas.openxmlformats.org/presentationml/2006/main">
   <p:cSld>
@@ -15994,322 +16105,6 @@
           <p:cNvPr id="4" name="TextBox 3">
             <a:extLst>
               <a:ext uri="{FF2B5EF4-FFF2-40B4-BE49-F238E27FC236}">
-                <a16:creationId xmlns:a16="http://schemas.microsoft.com/office/drawing/2014/main" id="{C53D4723-D2C9-0FF7-149A-5C5AB37916F6}"/>
-              </a:ext>
-            </a:extLst>
-          </p:cNvPr>
-          <p:cNvSpPr txBox="1"/>
-          <p:nvPr/>
-        </p:nvSpPr>
-        <p:spPr>
-          <a:xfrm>
-            <a:off x="5155827" y="261097"/>
-            <a:ext cx="2680446" cy="707886"/>
-          </a:xfrm>
-          <a:prstGeom prst="rect">
-            <a:avLst/>
-          </a:prstGeom>
-          <a:noFill/>
-        </p:spPr>
-        <p:txBody>
-          <a:bodyPr wrap="square" rtlCol="0">
-            <a:spAutoFit/>
-          </a:bodyPr>
-          <a:lstStyle/>
-          <a:p>
-            <a:r>
-              <a:rPr lang="en-US" sz="4000">
-                <a:latin typeface="Calibri" panose="020F0502020204030204" pitchFamily="34" charset="0"/>
-                <a:ea typeface="Calibri" panose="020F0502020204030204" pitchFamily="34" charset="0"/>
-                <a:cs typeface="Calibri" panose="020F0502020204030204" pitchFamily="34" charset="0"/>
-              </a:rPr>
-              <a:t>Dataset</a:t>
-            </a:r>
-          </a:p>
-        </p:txBody>
-      </p:sp>
-      <p:pic>
-        <p:nvPicPr>
-          <p:cNvPr id="8" name="Picture 7">
-            <a:extLst>
-              <a:ext uri="{FF2B5EF4-FFF2-40B4-BE49-F238E27FC236}">
-                <a16:creationId xmlns:a16="http://schemas.microsoft.com/office/drawing/2014/main" id="{5F31869D-5BA7-3C56-69A5-59BC046FBA59}"/>
-              </a:ext>
-            </a:extLst>
-          </p:cNvPr>
-          <p:cNvPicPr>
-            <a:picLocks noChangeAspect="1"/>
-          </p:cNvPicPr>
-          <p:nvPr/>
-        </p:nvPicPr>
-        <p:blipFill>
-          <a:blip r:embed="rId2"/>
-          <a:stretch>
-            <a:fillRect/>
-          </a:stretch>
-        </p:blipFill>
-        <p:spPr>
-          <a:xfrm>
-            <a:off x="1980843" y="1409617"/>
-            <a:ext cx="8230313" cy="1905165"/>
-          </a:xfrm>
-          <a:prstGeom prst="rect">
-            <a:avLst/>
-          </a:prstGeom>
-        </p:spPr>
-      </p:pic>
-      <p:sp>
-        <p:nvSpPr>
-          <p:cNvPr id="9" name="TextBox 8">
-            <a:extLst>
-              <a:ext uri="{FF2B5EF4-FFF2-40B4-BE49-F238E27FC236}">
-                <a16:creationId xmlns:a16="http://schemas.microsoft.com/office/drawing/2014/main" id="{36E051A9-C994-D60D-D63F-D814240128BD}"/>
-              </a:ext>
-            </a:extLst>
-          </p:cNvPr>
-          <p:cNvSpPr txBox="1"/>
-          <p:nvPr/>
-        </p:nvSpPr>
-        <p:spPr>
-          <a:xfrm>
-            <a:off x="1651747" y="3718679"/>
-            <a:ext cx="9410700" cy="2862322"/>
-          </a:xfrm>
-          <a:prstGeom prst="rect">
-            <a:avLst/>
-          </a:prstGeom>
-          <a:noFill/>
-        </p:spPr>
-        <p:txBody>
-          <a:bodyPr wrap="square" rtlCol="0">
-            <a:spAutoFit/>
-          </a:bodyPr>
-          <a:lstStyle/>
-          <a:p>
-            <a:pPr marL="285750" indent="-285750">
-              <a:buFont typeface="Arial" panose="020B0604020202020204" pitchFamily="34" charset="0"/>
-              <a:buChar char="•"/>
-            </a:pPr>
-            <a:r>
-              <a:rPr lang="en-US">
-                <a:latin typeface="Calibri" panose="020F0502020204030204" pitchFamily="34" charset="0"/>
-                <a:ea typeface="Calibri" panose="020F0502020204030204" pitchFamily="34" charset="0"/>
-                <a:cs typeface="Calibri" panose="020F0502020204030204" pitchFamily="34" charset="0"/>
-              </a:rPr>
-              <a:t>This dataset shows the votes and ratings for the movies listed above.</a:t>
-            </a:r>
-          </a:p>
-          <a:p>
-            <a:pPr marL="285750" indent="-285750">
-              <a:buFont typeface="Arial" panose="020B0604020202020204" pitchFamily="34" charset="0"/>
-              <a:buChar char="•"/>
-            </a:pPr>
-            <a:r>
-              <a:rPr lang="en-US">
-                <a:latin typeface="Calibri" panose="020F0502020204030204" pitchFamily="34" charset="0"/>
-                <a:ea typeface="Calibri" panose="020F0502020204030204" pitchFamily="34" charset="0"/>
-                <a:cs typeface="Calibri" panose="020F0502020204030204" pitchFamily="34" charset="0"/>
-              </a:rPr>
-              <a:t>The table above contains 13 columns and 5807 rows.</a:t>
-            </a:r>
-          </a:p>
-          <a:p>
-            <a:pPr marL="285750" indent="-285750">
-              <a:buFont typeface="Arial" panose="020B0604020202020204" pitchFamily="34" charset="0"/>
-              <a:buChar char="•"/>
-            </a:pPr>
-            <a:r>
-              <a:rPr lang="en-US">
-                <a:latin typeface="Calibri" panose="020F0502020204030204" pitchFamily="34" charset="0"/>
-                <a:ea typeface="Calibri" panose="020F0502020204030204" pitchFamily="34" charset="0"/>
-                <a:cs typeface="Calibri" panose="020F0502020204030204" pitchFamily="34" charset="0"/>
-              </a:rPr>
-              <a:t>The columns contain information such as: index, id, title, type, </a:t>
-            </a:r>
-            <a:r>
-              <a:rPr lang="en-US" err="1">
-                <a:latin typeface="Calibri" panose="020F0502020204030204" pitchFamily="34" charset="0"/>
-                <a:ea typeface="Calibri" panose="020F0502020204030204" pitchFamily="34" charset="0"/>
-                <a:cs typeface="Calibri" panose="020F0502020204030204" pitchFamily="34" charset="0"/>
-              </a:rPr>
-              <a:t>release_year</a:t>
-            </a:r>
-            <a:r>
-              <a:rPr lang="en-US">
-                <a:latin typeface="Calibri" panose="020F0502020204030204" pitchFamily="34" charset="0"/>
-                <a:ea typeface="Calibri" panose="020F0502020204030204" pitchFamily="34" charset="0"/>
-                <a:cs typeface="Calibri" panose="020F0502020204030204" pitchFamily="34" charset="0"/>
-              </a:rPr>
-              <a:t>, </a:t>
-            </a:r>
-            <a:r>
-              <a:rPr lang="en-US" err="1">
-                <a:latin typeface="Calibri" panose="020F0502020204030204" pitchFamily="34" charset="0"/>
-                <a:ea typeface="Calibri" panose="020F0502020204030204" pitchFamily="34" charset="0"/>
-                <a:cs typeface="Calibri" panose="020F0502020204030204" pitchFamily="34" charset="0"/>
-              </a:rPr>
-              <a:t>age_certificate</a:t>
-            </a:r>
-            <a:r>
-              <a:rPr lang="en-US">
-                <a:latin typeface="Calibri" panose="020F0502020204030204" pitchFamily="34" charset="0"/>
-                <a:ea typeface="Calibri" panose="020F0502020204030204" pitchFamily="34" charset="0"/>
-                <a:cs typeface="Calibri" panose="020F0502020204030204" pitchFamily="34" charset="0"/>
-              </a:rPr>
-              <a:t>, runtime, genres, </a:t>
-            </a:r>
-            <a:r>
-              <a:rPr lang="en-US" err="1">
-                <a:latin typeface="Calibri" panose="020F0502020204030204" pitchFamily="34" charset="0"/>
-                <a:ea typeface="Calibri" panose="020F0502020204030204" pitchFamily="34" charset="0"/>
-                <a:cs typeface="Calibri" panose="020F0502020204030204" pitchFamily="34" charset="0"/>
-              </a:rPr>
-              <a:t>production_country</a:t>
-            </a:r>
-            <a:r>
-              <a:rPr lang="en-US">
-                <a:latin typeface="Calibri" panose="020F0502020204030204" pitchFamily="34" charset="0"/>
-                <a:ea typeface="Calibri" panose="020F0502020204030204" pitchFamily="34" charset="0"/>
-                <a:cs typeface="Calibri" panose="020F0502020204030204" pitchFamily="34" charset="0"/>
-              </a:rPr>
-              <a:t>, seasons, </a:t>
-            </a:r>
-            <a:r>
-              <a:rPr lang="en-US" err="1">
-                <a:latin typeface="Calibri" panose="020F0502020204030204" pitchFamily="34" charset="0"/>
-                <a:ea typeface="Calibri" panose="020F0502020204030204" pitchFamily="34" charset="0"/>
-                <a:cs typeface="Calibri" panose="020F0502020204030204" pitchFamily="34" charset="0"/>
-              </a:rPr>
-              <a:t>imdb_id</a:t>
-            </a:r>
-            <a:r>
-              <a:rPr lang="en-US">
-                <a:latin typeface="Calibri" panose="020F0502020204030204" pitchFamily="34" charset="0"/>
-                <a:ea typeface="Calibri" panose="020F0502020204030204" pitchFamily="34" charset="0"/>
-                <a:cs typeface="Calibri" panose="020F0502020204030204" pitchFamily="34" charset="0"/>
-              </a:rPr>
-              <a:t>, </a:t>
-            </a:r>
-            <a:r>
-              <a:rPr lang="en-US" err="1">
-                <a:latin typeface="Calibri" panose="020F0502020204030204" pitchFamily="34" charset="0"/>
-                <a:ea typeface="Calibri" panose="020F0502020204030204" pitchFamily="34" charset="0"/>
-                <a:cs typeface="Calibri" panose="020F0502020204030204" pitchFamily="34" charset="0"/>
-              </a:rPr>
-              <a:t>imdb_score</a:t>
-            </a:r>
-            <a:r>
-              <a:rPr lang="en-US">
-                <a:latin typeface="Calibri" panose="020F0502020204030204" pitchFamily="34" charset="0"/>
-                <a:ea typeface="Calibri" panose="020F0502020204030204" pitchFamily="34" charset="0"/>
-                <a:cs typeface="Calibri" panose="020F0502020204030204" pitchFamily="34" charset="0"/>
-              </a:rPr>
-              <a:t>, </a:t>
-            </a:r>
-            <a:r>
-              <a:rPr lang="en-US" err="1">
-                <a:latin typeface="Calibri" panose="020F0502020204030204" pitchFamily="34" charset="0"/>
-                <a:ea typeface="Calibri" panose="020F0502020204030204" pitchFamily="34" charset="0"/>
-                <a:cs typeface="Calibri" panose="020F0502020204030204" pitchFamily="34" charset="0"/>
-              </a:rPr>
-              <a:t>imdb_votes</a:t>
-            </a:r>
-            <a:endParaRPr lang="en-US">
-              <a:latin typeface="Calibri" panose="020F0502020204030204" pitchFamily="34" charset="0"/>
-              <a:ea typeface="Calibri" panose="020F0502020204030204" pitchFamily="34" charset="0"/>
-              <a:cs typeface="Calibri" panose="020F0502020204030204" pitchFamily="34" charset="0"/>
-            </a:endParaRPr>
-          </a:p>
-          <a:p>
-            <a:pPr marL="285750" indent="-285750">
-              <a:buFont typeface="Arial" panose="020B0604020202020204" pitchFamily="34" charset="0"/>
-              <a:buChar char="•"/>
-            </a:pPr>
-            <a:r>
-              <a:rPr lang="en-US">
-                <a:latin typeface="Calibri" panose="020F0502020204030204" pitchFamily="34" charset="0"/>
-                <a:ea typeface="Calibri" panose="020F0502020204030204" pitchFamily="34" charset="0"/>
-                <a:cs typeface="Calibri" panose="020F0502020204030204" pitchFamily="34" charset="0"/>
-              </a:rPr>
-              <a:t>In this dataset, it has not been scientifically optimized, so we will perform data cleaning steps such as: delete the id column, </a:t>
-            </a:r>
-            <a:r>
-              <a:rPr lang="en-US" err="1">
-                <a:latin typeface="Calibri" panose="020F0502020204030204" pitchFamily="34" charset="0"/>
-                <a:ea typeface="Calibri" panose="020F0502020204030204" pitchFamily="34" charset="0"/>
-                <a:cs typeface="Calibri" panose="020F0502020204030204" pitchFamily="34" charset="0"/>
-              </a:rPr>
-              <a:t>imdb_id</a:t>
-            </a:r>
-            <a:r>
-              <a:rPr lang="en-US">
-                <a:latin typeface="Calibri" panose="020F0502020204030204" pitchFamily="34" charset="0"/>
-                <a:ea typeface="Calibri" panose="020F0502020204030204" pitchFamily="34" charset="0"/>
-                <a:cs typeface="Calibri" panose="020F0502020204030204" pitchFamily="34" charset="0"/>
-              </a:rPr>
-              <a:t>, the type column has the first word in uppercase, </a:t>
-            </a:r>
-            <a:r>
-              <a:rPr lang="en-US" err="1">
-                <a:latin typeface="Calibri" panose="020F0502020204030204" pitchFamily="34" charset="0"/>
-                <a:ea typeface="Calibri" panose="020F0502020204030204" pitchFamily="34" charset="0"/>
-                <a:cs typeface="Calibri" panose="020F0502020204030204" pitchFamily="34" charset="0"/>
-              </a:rPr>
-              <a:t>age_certification</a:t>
-            </a:r>
-            <a:r>
-              <a:rPr lang="en-US">
-                <a:latin typeface="Calibri" panose="020F0502020204030204" pitchFamily="34" charset="0"/>
-                <a:ea typeface="Calibri" panose="020F0502020204030204" pitchFamily="34" charset="0"/>
-                <a:cs typeface="Calibri" panose="020F0502020204030204" pitchFamily="34" charset="0"/>
-              </a:rPr>
-              <a:t> changes to the number according to age, genre changes to "crime, drama", country changes to country-specific names, seasons to integers, votes to integers, add column number of genre.</a:t>
-            </a:r>
-          </a:p>
-          <a:p>
-            <a:endParaRPr lang="en-US">
-              <a:latin typeface="Calibri" panose="020F0502020204030204" pitchFamily="34" charset="0"/>
-              <a:ea typeface="Calibri" panose="020F0502020204030204" pitchFamily="34" charset="0"/>
-              <a:cs typeface="Calibri" panose="020F0502020204030204" pitchFamily="34" charset="0"/>
-            </a:endParaRPr>
-          </a:p>
-        </p:txBody>
-      </p:sp>
-    </p:spTree>
-    <p:extLst>
-      <p:ext uri="{BB962C8B-B14F-4D97-AF65-F5344CB8AC3E}">
-        <p14:creationId xmlns:p14="http://schemas.microsoft.com/office/powerpoint/2010/main" val="1010276302"/>
-      </p:ext>
-    </p:extLst>
-  </p:cSld>
-  <p:clrMapOvr>
-    <a:masterClrMapping/>
-  </p:clrMapOvr>
-</p:sld>
-</file>
-
-<file path=ppt/slides/slide21.xml><?xml version="1.0" encoding="utf-8"?>
-<p:sld xmlns:a="http://schemas.openxmlformats.org/drawingml/2006/main" xmlns:r="http://schemas.openxmlformats.org/officeDocument/2006/relationships" xmlns:p="http://schemas.openxmlformats.org/presentationml/2006/main">
-  <p:cSld>
-    <p:spTree>
-      <p:nvGrpSpPr>
-        <p:cNvPr id="1" name=""/>
-        <p:cNvGrpSpPr/>
-        <p:nvPr/>
-      </p:nvGrpSpPr>
-      <p:grpSpPr>
-        <a:xfrm>
-          <a:off x="0" y="0"/>
-          <a:ext cx="0" cy="0"/>
-          <a:chOff x="0" y="0"/>
-          <a:chExt cx="0" cy="0"/>
-        </a:xfrm>
-      </p:grpSpPr>
-      <p:sp>
-        <p:nvSpPr>
-          <p:cNvPr id="4" name="TextBox 3">
-            <a:extLst>
-              <a:ext uri="{FF2B5EF4-FFF2-40B4-BE49-F238E27FC236}">
                 <a16:creationId xmlns:a16="http://schemas.microsoft.com/office/drawing/2014/main" id="{B09C021F-10CA-0B9C-385F-3D311CE9A0C2}"/>
               </a:ext>
             </a:extLst>
@@ -16484,7 +16279,7 @@
 </p:sld>
 </file>
 
-<file path=ppt/slides/slide22.xml><?xml version="1.0" encoding="utf-8"?>
+<file path=ppt/slides/slide21.xml><?xml version="1.0" encoding="utf-8"?>
 <p:sld xmlns:a="http://schemas.openxmlformats.org/drawingml/2006/main" xmlns:r="http://schemas.openxmlformats.org/officeDocument/2006/relationships" xmlns:p="http://schemas.openxmlformats.org/presentationml/2006/main">
   <p:cSld>
     <p:spTree>
@@ -16648,7 +16443,7 @@
 </p:sld>
 </file>
 
-<file path=ppt/slides/slide23.xml><?xml version="1.0" encoding="utf-8"?>
+<file path=ppt/slides/slide22.xml><?xml version="1.0" encoding="utf-8"?>
 <p:sld xmlns:a="http://schemas.openxmlformats.org/drawingml/2006/main" xmlns:r="http://schemas.openxmlformats.org/officeDocument/2006/relationships" xmlns:p="http://schemas.openxmlformats.org/presentationml/2006/main">
   <p:cSld>
     <p:spTree>
@@ -16747,7 +16542,7 @@
 </p:sld>
 </file>
 
-<file path=ppt/slides/slide24.xml><?xml version="1.0" encoding="utf-8"?>
+<file path=ppt/slides/slide23.xml><?xml version="1.0" encoding="utf-8"?>
 <p:sld xmlns:a="http://schemas.openxmlformats.org/drawingml/2006/main" xmlns:r="http://schemas.openxmlformats.org/officeDocument/2006/relationships" xmlns:p="http://schemas.openxmlformats.org/presentationml/2006/main">
   <p:cSld>
     <p:spTree>
@@ -16846,7 +16641,7 @@
 </p:sld>
 </file>
 
-<file path=ppt/slides/slide25.xml><?xml version="1.0" encoding="utf-8"?>
+<file path=ppt/slides/slide24.xml><?xml version="1.0" encoding="utf-8"?>
 <p:sld xmlns:a="http://schemas.openxmlformats.org/drawingml/2006/main" xmlns:r="http://schemas.openxmlformats.org/officeDocument/2006/relationships" xmlns:p="http://schemas.openxmlformats.org/presentationml/2006/main">
   <p:cSld>
     <p:spTree>
@@ -16961,7 +16756,7 @@
 </p:sld>
 </file>
 
-<file path=ppt/slides/slide26.xml><?xml version="1.0" encoding="utf-8"?>
+<file path=ppt/slides/slide25.xml><?xml version="1.0" encoding="utf-8"?>
 <p:sld xmlns:a="http://schemas.openxmlformats.org/drawingml/2006/main" xmlns:r="http://schemas.openxmlformats.org/officeDocument/2006/relationships" xmlns:p="http://schemas.openxmlformats.org/presentationml/2006/main">
   <p:cSld>
     <p:spTree>
@@ -17090,7 +16885,7 @@
 </p:sld>
 </file>
 
-<file path=ppt/slides/slide27.xml><?xml version="1.0" encoding="utf-8"?>
+<file path=ppt/slides/slide26.xml><?xml version="1.0" encoding="utf-8"?>
 <p:sld xmlns:a="http://schemas.openxmlformats.org/drawingml/2006/main" xmlns:r="http://schemas.openxmlformats.org/officeDocument/2006/relationships" xmlns:p="http://schemas.openxmlformats.org/presentationml/2006/main">
   <p:cSld>
     <p:spTree>
@@ -17228,7 +17023,7 @@
 </p:sld>
 </file>
 
-<file path=ppt/slides/slide28.xml><?xml version="1.0" encoding="utf-8"?>
+<file path=ppt/slides/slide27.xml><?xml version="1.0" encoding="utf-8"?>
 <p:sld xmlns:a="http://schemas.openxmlformats.org/drawingml/2006/main" xmlns:r="http://schemas.openxmlformats.org/officeDocument/2006/relationships" xmlns:p="http://schemas.openxmlformats.org/presentationml/2006/main">
   <p:cSld>
     <p:spTree>
@@ -17366,7 +17161,7 @@
 </p:sld>
 </file>
 
-<file path=ppt/slides/slide29.xml><?xml version="1.0" encoding="utf-8"?>
+<file path=ppt/slides/slide28.xml><?xml version="1.0" encoding="utf-8"?>
 <p:sld xmlns:a="http://schemas.openxmlformats.org/drawingml/2006/main" xmlns:r="http://schemas.openxmlformats.org/officeDocument/2006/relationships" xmlns:p="http://schemas.openxmlformats.org/presentationml/2006/main">
   <p:cSld>
     <p:spTree>
@@ -17397,8 +17192,8 @@
         </p:nvSpPr>
         <p:spPr>
           <a:xfrm>
-            <a:off x="478491" y="134752"/>
-            <a:ext cx="5617509" cy="954107"/>
+            <a:off x="1830481" y="161646"/>
+            <a:ext cx="8531038" cy="954107"/>
           </a:xfrm>
           <a:prstGeom prst="rect">
             <a:avLst/>
@@ -17417,41 +17212,11 @@
                 <a:ea typeface="Calibri" panose="020F0502020204030204" pitchFamily="34" charset="0"/>
                 <a:cs typeface="Calibri" panose="020F0502020204030204" pitchFamily="34" charset="0"/>
               </a:rPr>
-              <a:t>Top 10 titles of each type with the highest votes.</a:t>
+              <a:t>Chart 1: Titles with the same type with the most votes are ranked in the top 10.</a:t>
             </a:r>
           </a:p>
         </p:txBody>
       </p:sp>
-      <p:pic>
-        <p:nvPicPr>
-          <p:cNvPr id="6" name="Picture 5">
-            <a:extLst>
-              <a:ext uri="{FF2B5EF4-FFF2-40B4-BE49-F238E27FC236}">
-                <a16:creationId xmlns:a16="http://schemas.microsoft.com/office/drawing/2014/main" id="{B57943DB-F3E7-D143-8279-6D9D5F77B068}"/>
-              </a:ext>
-            </a:extLst>
-          </p:cNvPr>
-          <p:cNvPicPr>
-            <a:picLocks noChangeAspect="1"/>
-          </p:cNvPicPr>
-          <p:nvPr/>
-        </p:nvPicPr>
-        <p:blipFill>
-          <a:blip r:embed="rId2"/>
-          <a:stretch>
-            <a:fillRect/>
-          </a:stretch>
-        </p:blipFill>
-        <p:spPr>
-          <a:xfrm>
-            <a:off x="6096000" y="707887"/>
-            <a:ext cx="5970494" cy="3438804"/>
-          </a:xfrm>
-          <a:prstGeom prst="rect">
-            <a:avLst/>
-          </a:prstGeom>
-        </p:spPr>
-      </p:pic>
       <p:sp>
         <p:nvSpPr>
           <p:cNvPr id="7" name="TextBox 6">
@@ -17493,10 +17258,40 @@
       </p:sp>
       <p:pic>
         <p:nvPicPr>
-          <p:cNvPr id="9" name="Picture 8">
+          <p:cNvPr id="3" name="Picture 2">
             <a:extLst>
               <a:ext uri="{FF2B5EF4-FFF2-40B4-BE49-F238E27FC236}">
-                <a16:creationId xmlns:a16="http://schemas.microsoft.com/office/drawing/2014/main" id="{337BD334-C374-251C-173B-0673D61CE70C}"/>
+                <a16:creationId xmlns:a16="http://schemas.microsoft.com/office/drawing/2014/main" id="{248DD5F4-6127-F008-1EDA-98E87D0C09BA}"/>
+              </a:ext>
+            </a:extLst>
+          </p:cNvPr>
+          <p:cNvPicPr>
+            <a:picLocks noChangeAspect="1"/>
+          </p:cNvPicPr>
+          <p:nvPr/>
+        </p:nvPicPr>
+        <p:blipFill>
+          <a:blip r:embed="rId2"/>
+          <a:stretch>
+            <a:fillRect/>
+          </a:stretch>
+        </p:blipFill>
+        <p:spPr>
+          <a:xfrm>
+            <a:off x="0" y="3074830"/>
+            <a:ext cx="6096000" cy="3783169"/>
+          </a:xfrm>
+          <a:prstGeom prst="rect">
+            <a:avLst/>
+          </a:prstGeom>
+        </p:spPr>
+      </p:pic>
+      <p:pic>
+        <p:nvPicPr>
+          <p:cNvPr id="8" name="Picture 7">
+            <a:extLst>
+              <a:ext uri="{FF2B5EF4-FFF2-40B4-BE49-F238E27FC236}">
+                <a16:creationId xmlns:a16="http://schemas.microsoft.com/office/drawing/2014/main" id="{7BEB10A1-D48D-8D80-7E49-2CA7AA975D4F}"/>
               </a:ext>
             </a:extLst>
           </p:cNvPr>
@@ -17513,8 +17308,8 @@
         </p:blipFill>
         <p:spPr>
           <a:xfrm>
-            <a:off x="175371" y="3257550"/>
-            <a:ext cx="5920629" cy="3438804"/>
+            <a:off x="6105525" y="1253489"/>
+            <a:ext cx="6096000" cy="3471677"/>
           </a:xfrm>
           <a:prstGeom prst="rect">
             <a:avLst/>
@@ -17525,6 +17320,134 @@
     <p:extLst>
       <p:ext uri="{BB962C8B-B14F-4D97-AF65-F5344CB8AC3E}">
         <p14:creationId xmlns:p14="http://schemas.microsoft.com/office/powerpoint/2010/main" val="1352545106"/>
+      </p:ext>
+    </p:extLst>
+  </p:cSld>
+  <p:clrMapOvr>
+    <a:masterClrMapping/>
+  </p:clrMapOvr>
+</p:sld>
+</file>
+
+<file path=ppt/slides/slide29.xml><?xml version="1.0" encoding="utf-8"?>
+<p:sld xmlns:a="http://schemas.openxmlformats.org/drawingml/2006/main" xmlns:r="http://schemas.openxmlformats.org/officeDocument/2006/relationships" xmlns:p="http://schemas.openxmlformats.org/presentationml/2006/main">
+  <p:cSld>
+    <p:spTree>
+      <p:nvGrpSpPr>
+        <p:cNvPr id="1" name=""/>
+        <p:cNvGrpSpPr/>
+        <p:nvPr/>
+      </p:nvGrpSpPr>
+      <p:grpSpPr>
+        <a:xfrm>
+          <a:off x="0" y="0"/>
+          <a:ext cx="0" cy="0"/>
+          <a:chOff x="0" y="0"/>
+          <a:chExt cx="0" cy="0"/>
+        </a:xfrm>
+      </p:grpSpPr>
+      <p:sp>
+        <p:nvSpPr>
+          <p:cNvPr id="4" name="TextBox 3">
+            <a:extLst>
+              <a:ext uri="{FF2B5EF4-FFF2-40B4-BE49-F238E27FC236}">
+                <a16:creationId xmlns:a16="http://schemas.microsoft.com/office/drawing/2014/main" id="{A51BBED1-CF67-4D13-6F69-08BEA49480E8}"/>
+              </a:ext>
+            </a:extLst>
+          </p:cNvPr>
+          <p:cNvSpPr txBox="1"/>
+          <p:nvPr/>
+        </p:nvSpPr>
+        <p:spPr>
+          <a:xfrm>
+            <a:off x="3939988" y="340659"/>
+            <a:ext cx="4312023" cy="646331"/>
+          </a:xfrm>
+          <a:prstGeom prst="rect">
+            <a:avLst/>
+          </a:prstGeom>
+          <a:noFill/>
+        </p:spPr>
+        <p:txBody>
+          <a:bodyPr wrap="square" rtlCol="0">
+            <a:spAutoFit/>
+          </a:bodyPr>
+          <a:lstStyle/>
+          <a:p>
+            <a:r>
+              <a:rPr lang="en-US" sz="3600" dirty="0">
+                <a:latin typeface="Calibri" panose="020F0502020204030204" pitchFamily="34" charset="0"/>
+                <a:ea typeface="Calibri" panose="020F0502020204030204" pitchFamily="34" charset="0"/>
+                <a:cs typeface="Calibri" panose="020F0502020204030204" pitchFamily="34" charset="0"/>
+              </a:rPr>
+              <a:t>Conclusion of chart 1</a:t>
+            </a:r>
+          </a:p>
+        </p:txBody>
+      </p:sp>
+      <p:sp>
+        <p:nvSpPr>
+          <p:cNvPr id="5" name="TextBox 4">
+            <a:extLst>
+              <a:ext uri="{FF2B5EF4-FFF2-40B4-BE49-F238E27FC236}">
+                <a16:creationId xmlns:a16="http://schemas.microsoft.com/office/drawing/2014/main" id="{4C1ADB81-45A2-1120-AC96-CABAAAA901FC}"/>
+              </a:ext>
+            </a:extLst>
+          </p:cNvPr>
+          <p:cNvSpPr txBox="1"/>
+          <p:nvPr/>
+        </p:nvSpPr>
+        <p:spPr>
+          <a:xfrm>
+            <a:off x="1665193" y="2052918"/>
+            <a:ext cx="8861612" cy="2308324"/>
+          </a:xfrm>
+          <a:prstGeom prst="rect">
+            <a:avLst/>
+          </a:prstGeom>
+          <a:noFill/>
+        </p:spPr>
+        <p:txBody>
+          <a:bodyPr wrap="square" rtlCol="0">
+            <a:spAutoFit/>
+          </a:bodyPr>
+          <a:lstStyle/>
+          <a:p>
+            <a:pPr marL="342900" indent="-342900">
+              <a:buFont typeface="Arial" panose="020B0604020202020204" pitchFamily="34" charset="0"/>
+              <a:buChar char="•"/>
+            </a:pPr>
+            <a:r>
+              <a:rPr lang="en-US" sz="2400" dirty="0">
+                <a:latin typeface="Calibri" panose="020F0502020204030204" pitchFamily="34" charset="0"/>
+                <a:ea typeface="Calibri" panose="020F0502020204030204" pitchFamily="34" charset="0"/>
+                <a:cs typeface="Calibri" panose="020F0502020204030204" pitchFamily="34" charset="0"/>
+              </a:rPr>
+              <a:t>The chart above is represented as a pie chart with displays including title, type, and </a:t>
+            </a:r>
+            <a:r>
+              <a:rPr lang="en-US" sz="2400" dirty="0" err="1">
+                <a:latin typeface="Calibri" panose="020F0502020204030204" pitchFamily="34" charset="0"/>
+                <a:ea typeface="Calibri" panose="020F0502020204030204" pitchFamily="34" charset="0"/>
+                <a:cs typeface="Calibri" panose="020F0502020204030204" pitchFamily="34" charset="0"/>
+              </a:rPr>
+              <a:t>imdb_vote</a:t>
+            </a:r>
+            <a:r>
+              <a:rPr lang="en-US" sz="2400" dirty="0">
+                <a:latin typeface="Calibri" panose="020F0502020204030204" pitchFamily="34" charset="0"/>
+                <a:ea typeface="Calibri" panose="020F0502020204030204" pitchFamily="34" charset="0"/>
+                <a:cs typeface="Calibri" panose="020F0502020204030204" pitchFamily="34" charset="0"/>
+              </a:rPr>
+              <a:t>. The purpose of this chart is to analyze titles with user-selected categories. All those games are filtered into the top 10 based on the number of votes for that game and from there find the movie with the most votes based on another movie of the same type.</a:t>
+            </a:r>
+          </a:p>
+        </p:txBody>
+      </p:sp>
+    </p:spTree>
+    <p:extLst>
+      <p:ext uri="{BB962C8B-B14F-4D97-AF65-F5344CB8AC3E}">
+        <p14:creationId xmlns:p14="http://schemas.microsoft.com/office/powerpoint/2010/main" val="152744809"/>
       </p:ext>
     </p:extLst>
   </p:cSld>
@@ -17724,36 +17647,6 @@
           <a:chExt cx="0" cy="0"/>
         </a:xfrm>
       </p:grpSpPr>
-      <p:pic>
-        <p:nvPicPr>
-          <p:cNvPr id="5" name="Picture 4">
-            <a:extLst>
-              <a:ext uri="{FF2B5EF4-FFF2-40B4-BE49-F238E27FC236}">
-                <a16:creationId xmlns:a16="http://schemas.microsoft.com/office/drawing/2014/main" id="{C512347F-FEEB-F41B-DD3F-73D46430A7FD}"/>
-              </a:ext>
-            </a:extLst>
-          </p:cNvPr>
-          <p:cNvPicPr>
-            <a:picLocks noChangeAspect="1"/>
-          </p:cNvPicPr>
-          <p:nvPr/>
-        </p:nvPicPr>
-        <p:blipFill>
-          <a:blip r:embed="rId2"/>
-          <a:stretch>
-            <a:fillRect/>
-          </a:stretch>
-        </p:blipFill>
-        <p:spPr>
-          <a:xfrm>
-            <a:off x="170029" y="1610789"/>
-            <a:ext cx="5925971" cy="4628085"/>
-          </a:xfrm>
-          <a:prstGeom prst="rect">
-            <a:avLst/>
-          </a:prstGeom>
-        </p:spPr>
-      </p:pic>
       <p:sp>
         <p:nvSpPr>
           <p:cNvPr id="6" name="TextBox 5">
@@ -17768,8 +17661,8 @@
         </p:nvSpPr>
         <p:spPr>
           <a:xfrm>
-            <a:off x="2070334" y="517151"/>
-            <a:ext cx="8956253" cy="646331"/>
+            <a:off x="750666" y="446317"/>
+            <a:ext cx="10690667" cy="1200329"/>
           </a:xfrm>
           <a:prstGeom prst="rect">
             <a:avLst/>
@@ -17788,17 +17681,47 @@
                 <a:ea typeface="Calibri" panose="020F0502020204030204" pitchFamily="34" charset="0"/>
                 <a:cs typeface="Calibri" panose="020F0502020204030204" pitchFamily="34" charset="0"/>
               </a:rPr>
-              <a:t>The most runtime movie and show duration.</a:t>
+              <a:t>Chart 2: The most runtime of movie and show duration in top 10.</a:t>
             </a:r>
           </a:p>
         </p:txBody>
       </p:sp>
       <p:pic>
         <p:nvPicPr>
-          <p:cNvPr id="8" name="Picture 7">
+          <p:cNvPr id="3" name="Picture 2">
             <a:extLst>
               <a:ext uri="{FF2B5EF4-FFF2-40B4-BE49-F238E27FC236}">
-                <a16:creationId xmlns:a16="http://schemas.microsoft.com/office/drawing/2014/main" id="{8511EABE-3CE9-AB63-4538-363607DB0460}"/>
+                <a16:creationId xmlns:a16="http://schemas.microsoft.com/office/drawing/2014/main" id="{24F54A1E-50B9-FAAE-6940-E25FAFFF504C}"/>
+              </a:ext>
+            </a:extLst>
+          </p:cNvPr>
+          <p:cNvPicPr>
+            <a:picLocks noChangeAspect="1"/>
+          </p:cNvPicPr>
+          <p:nvPr/>
+        </p:nvPicPr>
+        <p:blipFill>
+          <a:blip r:embed="rId2"/>
+          <a:stretch>
+            <a:fillRect/>
+          </a:stretch>
+        </p:blipFill>
+        <p:spPr>
+          <a:xfrm>
+            <a:off x="0" y="1653713"/>
+            <a:ext cx="6096000" cy="4585161"/>
+          </a:xfrm>
+          <a:prstGeom prst="rect">
+            <a:avLst/>
+          </a:prstGeom>
+        </p:spPr>
+      </p:pic>
+      <p:pic>
+        <p:nvPicPr>
+          <p:cNvPr id="7" name="Picture 6">
+            <a:extLst>
+              <a:ext uri="{FF2B5EF4-FFF2-40B4-BE49-F238E27FC236}">
+                <a16:creationId xmlns:a16="http://schemas.microsoft.com/office/drawing/2014/main" id="{77ED6EE5-D902-C6EA-1714-7D4297A5934A}"/>
               </a:ext>
             </a:extLst>
           </p:cNvPr>
@@ -17815,8 +17738,8 @@
         </p:blipFill>
         <p:spPr>
           <a:xfrm>
-            <a:off x="6096001" y="1610790"/>
-            <a:ext cx="5925970" cy="4628084"/>
+            <a:off x="6095999" y="1646646"/>
+            <a:ext cx="6096001" cy="4598455"/>
           </a:xfrm>
           <a:prstGeom prst="rect">
             <a:avLst/>
@@ -17853,42 +17776,12 @@
           <a:chExt cx="0" cy="0"/>
         </a:xfrm>
       </p:grpSpPr>
-      <p:pic>
-        <p:nvPicPr>
-          <p:cNvPr id="5" name="Picture 4">
-            <a:extLst>
-              <a:ext uri="{FF2B5EF4-FFF2-40B4-BE49-F238E27FC236}">
-                <a16:creationId xmlns:a16="http://schemas.microsoft.com/office/drawing/2014/main" id="{6769240F-3E20-A426-EEE7-748B45BF4971}"/>
-              </a:ext>
-            </a:extLst>
-          </p:cNvPr>
-          <p:cNvPicPr>
-            <a:picLocks noChangeAspect="1"/>
-          </p:cNvPicPr>
-          <p:nvPr/>
-        </p:nvPicPr>
-        <p:blipFill>
-          <a:blip r:embed="rId2"/>
-          <a:stretch>
-            <a:fillRect/>
-          </a:stretch>
-        </p:blipFill>
-        <p:spPr>
-          <a:xfrm>
-            <a:off x="2697185" y="1908084"/>
-            <a:ext cx="6797629" cy="4775105"/>
-          </a:xfrm>
-          <a:prstGeom prst="rect">
-            <a:avLst/>
-          </a:prstGeom>
-        </p:spPr>
-      </p:pic>
       <p:sp>
         <p:nvSpPr>
-          <p:cNvPr id="6" name="TextBox 5">
+          <p:cNvPr id="5" name="TextBox 4">
             <a:extLst>
               <a:ext uri="{FF2B5EF4-FFF2-40B4-BE49-F238E27FC236}">
-                <a16:creationId xmlns:a16="http://schemas.microsoft.com/office/drawing/2014/main" id="{ACBFD1C6-65E4-CB24-2053-E238058FB7F2}"/>
+                <a16:creationId xmlns:a16="http://schemas.microsoft.com/office/drawing/2014/main" id="{E99CB5D4-2D42-2CA2-C46F-2E53FD0B9061}"/>
               </a:ext>
             </a:extLst>
           </p:cNvPr>
@@ -17897,8 +17790,8 @@
         </p:nvSpPr>
         <p:spPr>
           <a:xfrm>
-            <a:off x="2447364" y="448235"/>
-            <a:ext cx="7297270" cy="646331"/>
+            <a:off x="3939988" y="340659"/>
+            <a:ext cx="4312023" cy="646331"/>
           </a:xfrm>
           <a:prstGeom prst="rect">
             <a:avLst/>
@@ -17917,7 +17810,50 @@
                 <a:ea typeface="Calibri" panose="020F0502020204030204" pitchFamily="34" charset="0"/>
                 <a:cs typeface="Calibri" panose="020F0502020204030204" pitchFamily="34" charset="0"/>
               </a:rPr>
-              <a:t>Top 10 shows with the most seasons</a:t>
+              <a:t>Conclusion of chart 2</a:t>
+            </a:r>
+          </a:p>
+        </p:txBody>
+      </p:sp>
+      <p:sp>
+        <p:nvSpPr>
+          <p:cNvPr id="7" name="TextBox 6">
+            <a:extLst>
+              <a:ext uri="{FF2B5EF4-FFF2-40B4-BE49-F238E27FC236}">
+                <a16:creationId xmlns:a16="http://schemas.microsoft.com/office/drawing/2014/main" id="{B9B155FD-ECA6-F6DE-48B4-99EB6E2C69E4}"/>
+              </a:ext>
+            </a:extLst>
+          </p:cNvPr>
+          <p:cNvSpPr txBox="1"/>
+          <p:nvPr/>
+        </p:nvSpPr>
+        <p:spPr>
+          <a:xfrm>
+            <a:off x="1972235" y="2034988"/>
+            <a:ext cx="8292353" cy="1569660"/>
+          </a:xfrm>
+          <a:prstGeom prst="rect">
+            <a:avLst/>
+          </a:prstGeom>
+          <a:noFill/>
+        </p:spPr>
+        <p:txBody>
+          <a:bodyPr wrap="square" rtlCol="0">
+            <a:spAutoFit/>
+          </a:bodyPr>
+          <a:lstStyle/>
+          <a:p>
+            <a:pPr marL="285750" indent="-285750">
+              <a:buFont typeface="Arial" panose="020B0604020202020204" pitchFamily="34" charset="0"/>
+              <a:buChar char="•"/>
+            </a:pPr>
+            <a:r>
+              <a:rPr lang="en-US" sz="2400" dirty="0">
+                <a:latin typeface="Calibri" panose="020F0502020204030204" pitchFamily="34" charset="0"/>
+                <a:ea typeface="Calibri" panose="020F0502020204030204" pitchFamily="34" charset="0"/>
+                <a:cs typeface="Calibri" panose="020F0502020204030204" pitchFamily="34" charset="0"/>
+              </a:rPr>
+              <a:t>This graph is represented as a bar graph showing the title, type, and runtime. All of those titles are filtered into the top 10 titles based on runtime with the aim of finding out which title has the most running time.</a:t>
             </a:r>
           </a:p>
         </p:txBody>
@@ -17925,7 +17861,7 @@
     </p:spTree>
     <p:extLst>
       <p:ext uri="{BB962C8B-B14F-4D97-AF65-F5344CB8AC3E}">
-        <p14:creationId xmlns:p14="http://schemas.microsoft.com/office/powerpoint/2010/main" val="3322092115"/>
+        <p14:creationId xmlns:p14="http://schemas.microsoft.com/office/powerpoint/2010/main" val="2496721942"/>
       </p:ext>
     </p:extLst>
   </p:cSld>
@@ -17952,51 +17888,12 @@
           <a:chExt cx="0" cy="0"/>
         </a:xfrm>
       </p:grpSpPr>
-      <p:sp>
-        <p:nvSpPr>
-          <p:cNvPr id="6" name="TextBox 5">
-            <a:extLst>
-              <a:ext uri="{FF2B5EF4-FFF2-40B4-BE49-F238E27FC236}">
-                <a16:creationId xmlns:a16="http://schemas.microsoft.com/office/drawing/2014/main" id="{0518A17D-BBC0-A11A-D0FC-9227E30BE88E}"/>
-              </a:ext>
-            </a:extLst>
-          </p:cNvPr>
-          <p:cNvSpPr txBox="1"/>
-          <p:nvPr/>
-        </p:nvSpPr>
-        <p:spPr>
-          <a:xfrm>
-            <a:off x="923364" y="363469"/>
-            <a:ext cx="11654118" cy="584775"/>
-          </a:xfrm>
-          <a:prstGeom prst="rect">
-            <a:avLst/>
-          </a:prstGeom>
-          <a:noFill/>
-        </p:spPr>
-        <p:txBody>
-          <a:bodyPr wrap="square" rtlCol="0">
-            <a:spAutoFit/>
-          </a:bodyPr>
-          <a:lstStyle/>
-          <a:p>
-            <a:r>
-              <a:rPr lang="en-US" sz="3200" dirty="0">
-                <a:latin typeface="Calibri" panose="020F0502020204030204" pitchFamily="34" charset="0"/>
-                <a:ea typeface="Calibri" panose="020F0502020204030204" pitchFamily="34" charset="0"/>
-                <a:cs typeface="Calibri" panose="020F0502020204030204" pitchFamily="34" charset="0"/>
-              </a:rPr>
-              <a:t>Statistics of the top 10 movies or shows produced in years.</a:t>
-            </a:r>
-          </a:p>
-        </p:txBody>
-      </p:sp>
       <p:pic>
         <p:nvPicPr>
-          <p:cNvPr id="10" name="Picture 9">
+          <p:cNvPr id="5" name="Picture 4">
             <a:extLst>
               <a:ext uri="{FF2B5EF4-FFF2-40B4-BE49-F238E27FC236}">
-                <a16:creationId xmlns:a16="http://schemas.microsoft.com/office/drawing/2014/main" id="{A4367157-1A21-5643-BD2E-24B17AF49F00}"/>
+                <a16:creationId xmlns:a16="http://schemas.microsoft.com/office/drawing/2014/main" id="{6769240F-3E20-A426-EEE7-748B45BF4971}"/>
               </a:ext>
             </a:extLst>
           </p:cNvPr>
@@ -18013,48 +17910,57 @@
         </p:blipFill>
         <p:spPr>
           <a:xfrm>
-            <a:off x="110066" y="2371725"/>
-            <a:ext cx="5985934" cy="4376489"/>
+            <a:off x="2697185" y="1908084"/>
+            <a:ext cx="6797629" cy="4775105"/>
           </a:xfrm>
           <a:prstGeom prst="rect">
             <a:avLst/>
           </a:prstGeom>
         </p:spPr>
       </p:pic>
-      <p:pic>
-        <p:nvPicPr>
-          <p:cNvPr id="12" name="Picture 11">
+      <p:sp>
+        <p:nvSpPr>
+          <p:cNvPr id="6" name="TextBox 5">
             <a:extLst>
               <a:ext uri="{FF2B5EF4-FFF2-40B4-BE49-F238E27FC236}">
-                <a16:creationId xmlns:a16="http://schemas.microsoft.com/office/drawing/2014/main" id="{B49CF4FC-A419-69DB-B4EF-4DB77287529F}"/>
+                <a16:creationId xmlns:a16="http://schemas.microsoft.com/office/drawing/2014/main" id="{ACBFD1C6-65E4-CB24-2053-E238058FB7F2}"/>
               </a:ext>
             </a:extLst>
           </p:cNvPr>
-          <p:cNvPicPr>
-            <a:picLocks noChangeAspect="1"/>
-          </p:cNvPicPr>
+          <p:cNvSpPr txBox="1"/>
           <p:nvPr/>
-        </p:nvPicPr>
-        <p:blipFill>
-          <a:blip r:embed="rId3"/>
-          <a:stretch>
-            <a:fillRect/>
-          </a:stretch>
-        </p:blipFill>
+        </p:nvSpPr>
         <p:spPr>
           <a:xfrm>
-            <a:off x="6096000" y="2371725"/>
-            <a:ext cx="5985934" cy="4376489"/>
+            <a:off x="1604681" y="537882"/>
+            <a:ext cx="8982636" cy="646331"/>
           </a:xfrm>
           <a:prstGeom prst="rect">
             <a:avLst/>
           </a:prstGeom>
+          <a:noFill/>
         </p:spPr>
-      </p:pic>
+        <p:txBody>
+          <a:bodyPr wrap="square" rtlCol="0">
+            <a:spAutoFit/>
+          </a:bodyPr>
+          <a:lstStyle/>
+          <a:p>
+            <a:r>
+              <a:rPr lang="en-US" sz="3600" dirty="0">
+                <a:latin typeface="Calibri" panose="020F0502020204030204" pitchFamily="34" charset="0"/>
+                <a:ea typeface="Calibri" panose="020F0502020204030204" pitchFamily="34" charset="0"/>
+                <a:cs typeface="Calibri" panose="020F0502020204030204" pitchFamily="34" charset="0"/>
+              </a:rPr>
+              <a:t>Chart 3: Top 10 shows with the most seasons</a:t>
+            </a:r>
+          </a:p>
+        </p:txBody>
+      </p:sp>
     </p:spTree>
     <p:extLst>
       <p:ext uri="{BB962C8B-B14F-4D97-AF65-F5344CB8AC3E}">
-        <p14:creationId xmlns:p14="http://schemas.microsoft.com/office/powerpoint/2010/main" val="2541255888"/>
+        <p14:creationId xmlns:p14="http://schemas.microsoft.com/office/powerpoint/2010/main" val="3322092115"/>
       </p:ext>
     </p:extLst>
   </p:cSld>
@@ -18081,72 +17987,12 @@
           <a:chExt cx="0" cy="0"/>
         </a:xfrm>
       </p:grpSpPr>
-      <p:pic>
-        <p:nvPicPr>
-          <p:cNvPr id="5" name="Picture 4">
-            <a:extLst>
-              <a:ext uri="{FF2B5EF4-FFF2-40B4-BE49-F238E27FC236}">
-                <a16:creationId xmlns:a16="http://schemas.microsoft.com/office/drawing/2014/main" id="{1EF0B09E-108C-04D6-395D-3FE5BDDA151C}"/>
-              </a:ext>
-            </a:extLst>
-          </p:cNvPr>
-          <p:cNvPicPr>
-            <a:picLocks noChangeAspect="1"/>
-          </p:cNvPicPr>
-          <p:nvPr/>
-        </p:nvPicPr>
-        <p:blipFill>
-          <a:blip r:embed="rId2"/>
-          <a:stretch>
-            <a:fillRect/>
-          </a:stretch>
-        </p:blipFill>
-        <p:spPr>
-          <a:xfrm>
-            <a:off x="75446" y="1780188"/>
-            <a:ext cx="6020554" cy="5077811"/>
-          </a:xfrm>
-          <a:prstGeom prst="rect">
-            <a:avLst/>
-          </a:prstGeom>
-        </p:spPr>
-      </p:pic>
-      <p:pic>
-        <p:nvPicPr>
-          <p:cNvPr id="7" name="Picture 6">
-            <a:extLst>
-              <a:ext uri="{FF2B5EF4-FFF2-40B4-BE49-F238E27FC236}">
-                <a16:creationId xmlns:a16="http://schemas.microsoft.com/office/drawing/2014/main" id="{0A10A7A2-EE7F-C374-23BA-CFD2E6A14831}"/>
-              </a:ext>
-            </a:extLst>
-          </p:cNvPr>
-          <p:cNvPicPr>
-            <a:picLocks noChangeAspect="1"/>
-          </p:cNvPicPr>
-          <p:nvPr/>
-        </p:nvPicPr>
-        <p:blipFill>
-          <a:blip r:embed="rId3"/>
-          <a:stretch>
-            <a:fillRect/>
-          </a:stretch>
-        </p:blipFill>
-        <p:spPr>
-          <a:xfrm>
-            <a:off x="6096000" y="1780187"/>
-            <a:ext cx="6020554" cy="5077811"/>
-          </a:xfrm>
-          <a:prstGeom prst="rect">
-            <a:avLst/>
-          </a:prstGeom>
-        </p:spPr>
-      </p:pic>
       <p:sp>
         <p:nvSpPr>
-          <p:cNvPr id="8" name="TextBox 7">
+          <p:cNvPr id="4" name="TextBox 3">
             <a:extLst>
               <a:ext uri="{FF2B5EF4-FFF2-40B4-BE49-F238E27FC236}">
-                <a16:creationId xmlns:a16="http://schemas.microsoft.com/office/drawing/2014/main" id="{6CD7C8F4-272D-9897-3F3A-6E7A797FE3D7}"/>
+                <a16:creationId xmlns:a16="http://schemas.microsoft.com/office/drawing/2014/main" id="{DDC6FEAD-BAB8-3D05-231E-E1EA53966846}"/>
               </a:ext>
             </a:extLst>
           </p:cNvPr>
@@ -18155,8 +18001,8 @@
         </p:nvSpPr>
         <p:spPr>
           <a:xfrm>
-            <a:off x="537882" y="372434"/>
-            <a:ext cx="11654118" cy="1077218"/>
+            <a:off x="3939988" y="340659"/>
+            <a:ext cx="4312023" cy="646331"/>
           </a:xfrm>
           <a:prstGeom prst="rect">
             <a:avLst/>
@@ -18170,12 +18016,55 @@
           <a:lstStyle/>
           <a:p>
             <a:r>
-              <a:rPr lang="en-US" sz="3200" dirty="0">
+              <a:rPr lang="en-US" sz="3600" dirty="0">
                 <a:latin typeface="Calibri" panose="020F0502020204030204" pitchFamily="34" charset="0"/>
                 <a:ea typeface="Calibri" panose="020F0502020204030204" pitchFamily="34" charset="0"/>
                 <a:cs typeface="Calibri" panose="020F0502020204030204" pitchFamily="34" charset="0"/>
               </a:rPr>
-              <a:t>Statistics of votes in the top 10 movies or shows produced in each years.</a:t>
+              <a:t>Conclusion of chart 3</a:t>
+            </a:r>
+          </a:p>
+        </p:txBody>
+      </p:sp>
+      <p:sp>
+        <p:nvSpPr>
+          <p:cNvPr id="5" name="TextBox 4">
+            <a:extLst>
+              <a:ext uri="{FF2B5EF4-FFF2-40B4-BE49-F238E27FC236}">
+                <a16:creationId xmlns:a16="http://schemas.microsoft.com/office/drawing/2014/main" id="{5C8DE2BF-AC4C-89BB-E154-D4D542F08D26}"/>
+              </a:ext>
+            </a:extLst>
+          </p:cNvPr>
+          <p:cNvSpPr txBox="1"/>
+          <p:nvPr/>
+        </p:nvSpPr>
+        <p:spPr>
+          <a:xfrm>
+            <a:off x="1985681" y="2205318"/>
+            <a:ext cx="8220635" cy="2246769"/>
+          </a:xfrm>
+          <a:prstGeom prst="rect">
+            <a:avLst/>
+          </a:prstGeom>
+          <a:noFill/>
+        </p:spPr>
+        <p:txBody>
+          <a:bodyPr wrap="square" rtlCol="0">
+            <a:spAutoFit/>
+          </a:bodyPr>
+          <a:lstStyle/>
+          <a:p>
+            <a:pPr marL="457200" indent="-457200">
+              <a:buFont typeface="Arial" panose="020B0604020202020204" pitchFamily="34" charset="0"/>
+              <a:buChar char="•"/>
+            </a:pPr>
+            <a:r>
+              <a:rPr lang="en-US" sz="2800" dirty="0">
+                <a:latin typeface="Calibri" panose="020F0502020204030204" pitchFamily="34" charset="0"/>
+                <a:ea typeface="Calibri" panose="020F0502020204030204" pitchFamily="34" charset="0"/>
+                <a:cs typeface="Calibri" panose="020F0502020204030204" pitchFamily="34" charset="0"/>
+              </a:rPr>
+              <a:t>The chart above is represented as a bar chart showing the title, type, and season. The purpose of this graph is to determine which type title finds the greatest number of seasons based on the top 10 seasons filter.</a:t>
             </a:r>
           </a:p>
         </p:txBody>
@@ -18183,7 +18072,7 @@
     </p:spTree>
     <p:extLst>
       <p:ext uri="{BB962C8B-B14F-4D97-AF65-F5344CB8AC3E}">
-        <p14:creationId xmlns:p14="http://schemas.microsoft.com/office/powerpoint/2010/main" val="2292628960"/>
+        <p14:creationId xmlns:p14="http://schemas.microsoft.com/office/powerpoint/2010/main" val="3773965124"/>
       </p:ext>
     </p:extLst>
   </p:cSld>
@@ -18210,36 +18099,6 @@
           <a:chExt cx="0" cy="0"/>
         </a:xfrm>
       </p:grpSpPr>
-      <p:pic>
-        <p:nvPicPr>
-          <p:cNvPr id="5" name="Picture 4">
-            <a:extLst>
-              <a:ext uri="{FF2B5EF4-FFF2-40B4-BE49-F238E27FC236}">
-                <a16:creationId xmlns:a16="http://schemas.microsoft.com/office/drawing/2014/main" id="{7C30487C-4326-4FF2-3626-CA711B7C4A80}"/>
-              </a:ext>
-            </a:extLst>
-          </p:cNvPr>
-          <p:cNvPicPr>
-            <a:picLocks noChangeAspect="1"/>
-          </p:cNvPicPr>
-          <p:nvPr/>
-        </p:nvPicPr>
-        <p:blipFill>
-          <a:blip r:embed="rId2"/>
-          <a:stretch>
-            <a:fillRect/>
-          </a:stretch>
-        </p:blipFill>
-        <p:spPr>
-          <a:xfrm>
-            <a:off x="123825" y="1484094"/>
-            <a:ext cx="11906249" cy="5158373"/>
-          </a:xfrm>
-          <a:prstGeom prst="rect">
-            <a:avLst/>
-          </a:prstGeom>
-        </p:spPr>
-      </p:pic>
       <p:sp>
         <p:nvSpPr>
           <p:cNvPr id="6" name="TextBox 5">
@@ -18254,7 +18113,7 @@
         </p:nvSpPr>
         <p:spPr>
           <a:xfrm>
-            <a:off x="4072778" y="215533"/>
+            <a:off x="4529137" y="0"/>
             <a:ext cx="3133725" cy="707886"/>
           </a:xfrm>
           <a:prstGeom prst="rect">
@@ -18279,6 +18138,36 @@
           </a:p>
         </p:txBody>
       </p:sp>
+      <p:pic>
+        <p:nvPicPr>
+          <p:cNvPr id="7" name="Picture 6">
+            <a:extLst>
+              <a:ext uri="{FF2B5EF4-FFF2-40B4-BE49-F238E27FC236}">
+                <a16:creationId xmlns:a16="http://schemas.microsoft.com/office/drawing/2014/main" id="{F86C656B-64E3-F3B5-5A6F-F95F6D0A7383}"/>
+              </a:ext>
+            </a:extLst>
+          </p:cNvPr>
+          <p:cNvPicPr>
+            <a:picLocks noChangeAspect="1"/>
+          </p:cNvPicPr>
+          <p:nvPr/>
+        </p:nvPicPr>
+        <p:blipFill>
+          <a:blip r:embed="rId2"/>
+          <a:stretch>
+            <a:fillRect/>
+          </a:stretch>
+        </p:blipFill>
+        <p:spPr>
+          <a:xfrm>
+            <a:off x="0" y="1447800"/>
+            <a:ext cx="12192000" cy="5410200"/>
+          </a:xfrm>
+          <a:prstGeom prst="rect">
+            <a:avLst/>
+          </a:prstGeom>
+        </p:spPr>
+      </p:pic>
     </p:spTree>
     <p:extLst>
       <p:ext uri="{BB962C8B-B14F-4D97-AF65-F5344CB8AC3E}">
@@ -18314,6 +18203,118 @@
           <p:cNvPr id="4" name="TextBox 3">
             <a:extLst>
               <a:ext uri="{FF2B5EF4-FFF2-40B4-BE49-F238E27FC236}">
+                <a16:creationId xmlns:a16="http://schemas.microsoft.com/office/drawing/2014/main" id="{97E15A67-F3D4-9EE6-FA5E-A5613EA47B1A}"/>
+              </a:ext>
+            </a:extLst>
+          </p:cNvPr>
+          <p:cNvSpPr txBox="1"/>
+          <p:nvPr/>
+        </p:nvSpPr>
+        <p:spPr>
+          <a:xfrm>
+            <a:off x="3357282" y="322729"/>
+            <a:ext cx="5948083" cy="646331"/>
+          </a:xfrm>
+          <a:prstGeom prst="rect">
+            <a:avLst/>
+          </a:prstGeom>
+          <a:noFill/>
+        </p:spPr>
+        <p:txBody>
+          <a:bodyPr wrap="square" rtlCol="0">
+            <a:spAutoFit/>
+          </a:bodyPr>
+          <a:lstStyle/>
+          <a:p>
+            <a:r>
+              <a:rPr lang="en-US" sz="3600" dirty="0">
+                <a:latin typeface="Calibri" panose="020F0502020204030204" pitchFamily="34" charset="0"/>
+                <a:ea typeface="Calibri" panose="020F0502020204030204" pitchFamily="34" charset="0"/>
+                <a:cs typeface="Calibri" panose="020F0502020204030204" pitchFamily="34" charset="0"/>
+              </a:rPr>
+              <a:t>Conclusion of Dashboard 1</a:t>
+            </a:r>
+          </a:p>
+        </p:txBody>
+      </p:sp>
+      <p:sp>
+        <p:nvSpPr>
+          <p:cNvPr id="5" name="TextBox 4">
+            <a:extLst>
+              <a:ext uri="{FF2B5EF4-FFF2-40B4-BE49-F238E27FC236}">
+                <a16:creationId xmlns:a16="http://schemas.microsoft.com/office/drawing/2014/main" id="{5BD11EC3-5A4E-AB38-B045-95C9ACEF5496}"/>
+              </a:ext>
+            </a:extLst>
+          </p:cNvPr>
+          <p:cNvSpPr txBox="1"/>
+          <p:nvPr/>
+        </p:nvSpPr>
+        <p:spPr>
+          <a:xfrm>
+            <a:off x="2133600" y="2061883"/>
+            <a:ext cx="7924800" cy="3046988"/>
+          </a:xfrm>
+          <a:prstGeom prst="rect">
+            <a:avLst/>
+          </a:prstGeom>
+          <a:noFill/>
+        </p:spPr>
+        <p:txBody>
+          <a:bodyPr wrap="square" rtlCol="0">
+            <a:spAutoFit/>
+          </a:bodyPr>
+          <a:lstStyle/>
+          <a:p>
+            <a:pPr marL="285750" indent="-285750">
+              <a:buFont typeface="Arial" panose="020B0604020202020204" pitchFamily="34" charset="0"/>
+              <a:buChar char="•"/>
+            </a:pPr>
+            <a:r>
+              <a:rPr lang="en-US" sz="2400" dirty="0">
+                <a:latin typeface="Calibri" panose="020F0502020204030204" pitchFamily="34" charset="0"/>
+                <a:ea typeface="Calibri" panose="020F0502020204030204" pitchFamily="34" charset="0"/>
+                <a:cs typeface="Calibri" panose="020F0502020204030204" pitchFamily="34" charset="0"/>
+              </a:rPr>
+              <a:t>In this dashboard 1, it will merge between the title search table with the largest votes and the highest score according to the user's choice of title and type as 'show'. Concluding that title 45rpm has just got the votes and the same is the highest score respectively. This is followed by title 44 cats in second place. Finally, the title 42 days of darkness has votes and a very special score of 0 votes and 0 score. This is the worst title among the titles present in all other titles.</a:t>
+            </a:r>
+          </a:p>
+        </p:txBody>
+      </p:sp>
+    </p:spTree>
+    <p:extLst>
+      <p:ext uri="{BB962C8B-B14F-4D97-AF65-F5344CB8AC3E}">
+        <p14:creationId xmlns:p14="http://schemas.microsoft.com/office/powerpoint/2010/main" val="82798381"/>
+      </p:ext>
+    </p:extLst>
+  </p:cSld>
+  <p:clrMapOvr>
+    <a:masterClrMapping/>
+  </p:clrMapOvr>
+</p:sld>
+</file>
+
+<file path=ppt/slides/slide36.xml><?xml version="1.0" encoding="utf-8"?>
+<p:sld xmlns:a="http://schemas.openxmlformats.org/drawingml/2006/main" xmlns:r="http://schemas.openxmlformats.org/officeDocument/2006/relationships" xmlns:p="http://schemas.openxmlformats.org/presentationml/2006/main">
+  <p:cSld>
+    <p:spTree>
+      <p:nvGrpSpPr>
+        <p:cNvPr id="1" name=""/>
+        <p:cNvGrpSpPr/>
+        <p:nvPr/>
+      </p:nvGrpSpPr>
+      <p:grpSpPr>
+        <a:xfrm>
+          <a:off x="0" y="0"/>
+          <a:ext cx="0" cy="0"/>
+          <a:chOff x="0" y="0"/>
+          <a:chExt cx="0" cy="0"/>
+        </a:xfrm>
+      </p:grpSpPr>
+      <p:sp>
+        <p:nvSpPr>
+          <p:cNvPr id="4" name="TextBox 3">
+            <a:extLst>
+              <a:ext uri="{FF2B5EF4-FFF2-40B4-BE49-F238E27FC236}">
                 <a16:creationId xmlns:a16="http://schemas.microsoft.com/office/drawing/2014/main" id="{4F7CEE2A-602F-4DFB-017D-C1D23BF1B839}"/>
               </a:ext>
             </a:extLst>
@@ -18350,10 +18351,10 @@
       </p:sp>
       <p:pic>
         <p:nvPicPr>
-          <p:cNvPr id="6" name="Picture 5">
+          <p:cNvPr id="7" name="Picture 6">
             <a:extLst>
               <a:ext uri="{FF2B5EF4-FFF2-40B4-BE49-F238E27FC236}">
-                <a16:creationId xmlns:a16="http://schemas.microsoft.com/office/drawing/2014/main" id="{1A907B39-A7F0-F279-224D-8E9B9A190A16}"/>
+                <a16:creationId xmlns:a16="http://schemas.microsoft.com/office/drawing/2014/main" id="{FB67A0D1-F202-767E-EF28-EE4A6DE36265}"/>
               </a:ext>
             </a:extLst>
           </p:cNvPr>
@@ -18370,8 +18371,8 @@
         </p:blipFill>
         <p:spPr>
           <a:xfrm>
-            <a:off x="143435" y="1493975"/>
-            <a:ext cx="11914093" cy="5237902"/>
+            <a:off x="0" y="1410375"/>
+            <a:ext cx="12192000" cy="5447625"/>
           </a:xfrm>
           <a:prstGeom prst="rect">
             <a:avLst/>
@@ -18391,7 +18392,119 @@
 </p:sld>
 </file>
 
-<file path=ppt/slides/slide36.xml><?xml version="1.0" encoding="utf-8"?>
+<file path=ppt/slides/slide37.xml><?xml version="1.0" encoding="utf-8"?>
+<p:sld xmlns:a="http://schemas.openxmlformats.org/drawingml/2006/main" xmlns:r="http://schemas.openxmlformats.org/officeDocument/2006/relationships" xmlns:p="http://schemas.openxmlformats.org/presentationml/2006/main">
+  <p:cSld>
+    <p:spTree>
+      <p:nvGrpSpPr>
+        <p:cNvPr id="1" name=""/>
+        <p:cNvGrpSpPr/>
+        <p:nvPr/>
+      </p:nvGrpSpPr>
+      <p:grpSpPr>
+        <a:xfrm>
+          <a:off x="0" y="0"/>
+          <a:ext cx="0" cy="0"/>
+          <a:chOff x="0" y="0"/>
+          <a:chExt cx="0" cy="0"/>
+        </a:xfrm>
+      </p:grpSpPr>
+      <p:sp>
+        <p:nvSpPr>
+          <p:cNvPr id="4" name="TextBox 3">
+            <a:extLst>
+              <a:ext uri="{FF2B5EF4-FFF2-40B4-BE49-F238E27FC236}">
+                <a16:creationId xmlns:a16="http://schemas.microsoft.com/office/drawing/2014/main" id="{601F62B1-597D-1232-0169-3D8DCAD36D62}"/>
+              </a:ext>
+            </a:extLst>
+          </p:cNvPr>
+          <p:cNvSpPr txBox="1"/>
+          <p:nvPr/>
+        </p:nvSpPr>
+        <p:spPr>
+          <a:xfrm>
+            <a:off x="3357282" y="322729"/>
+            <a:ext cx="5948083" cy="646331"/>
+          </a:xfrm>
+          <a:prstGeom prst="rect">
+            <a:avLst/>
+          </a:prstGeom>
+          <a:noFill/>
+        </p:spPr>
+        <p:txBody>
+          <a:bodyPr wrap="square" rtlCol="0">
+            <a:spAutoFit/>
+          </a:bodyPr>
+          <a:lstStyle/>
+          <a:p>
+            <a:r>
+              <a:rPr lang="en-US" sz="3600" dirty="0">
+                <a:latin typeface="Calibri" panose="020F0502020204030204" pitchFamily="34" charset="0"/>
+                <a:ea typeface="Calibri" panose="020F0502020204030204" pitchFamily="34" charset="0"/>
+                <a:cs typeface="Calibri" panose="020F0502020204030204" pitchFamily="34" charset="0"/>
+              </a:rPr>
+              <a:t>Conclusion of Dashboard 2</a:t>
+            </a:r>
+          </a:p>
+        </p:txBody>
+      </p:sp>
+      <p:sp>
+        <p:nvSpPr>
+          <p:cNvPr id="5" name="TextBox 4">
+            <a:extLst>
+              <a:ext uri="{FF2B5EF4-FFF2-40B4-BE49-F238E27FC236}">
+                <a16:creationId xmlns:a16="http://schemas.microsoft.com/office/drawing/2014/main" id="{76E263E0-817E-561B-4806-AAB6BDA7B304}"/>
+              </a:ext>
+            </a:extLst>
+          </p:cNvPr>
+          <p:cNvSpPr txBox="1"/>
+          <p:nvPr/>
+        </p:nvSpPr>
+        <p:spPr>
+          <a:xfrm>
+            <a:off x="2133600" y="1905506"/>
+            <a:ext cx="7924800" cy="3046988"/>
+          </a:xfrm>
+          <a:prstGeom prst="rect">
+            <a:avLst/>
+          </a:prstGeom>
+          <a:noFill/>
+        </p:spPr>
+        <p:txBody>
+          <a:bodyPr wrap="square" rtlCol="0">
+            <a:spAutoFit/>
+          </a:bodyPr>
+          <a:lstStyle/>
+          <a:p>
+            <a:pPr marL="285750" indent="-285750">
+              <a:buFont typeface="Arial" panose="020B0604020202020204" pitchFamily="34" charset="0"/>
+              <a:buChar char="•"/>
+            </a:pPr>
+            <a:r>
+              <a:rPr lang="en-US" sz="2400" dirty="0">
+                <a:latin typeface="Calibri" panose="020F0502020204030204" pitchFamily="34" charset="0"/>
+                <a:ea typeface="Calibri" panose="020F0502020204030204" pitchFamily="34" charset="0"/>
+                <a:cs typeface="Calibri" panose="020F0502020204030204" pitchFamily="34" charset="0"/>
+              </a:rPr>
+              <a:t>In this dashboard 2 will merge between the title table with the most seasons, the most quantity genres and the most running time according to the user's choice of title and type 'show'. In conclusion, although titles 44 cats have the most seasons and number of genres, the duration per season is the least of the other 3 titles. Titles 45rpm and 42 days of darkness are both at 2, 3 in the seasons and quantity genres and 1, 2 in the run time charts.</a:t>
+            </a:r>
+          </a:p>
+        </p:txBody>
+      </p:sp>
+    </p:spTree>
+    <p:extLst>
+      <p:ext uri="{BB962C8B-B14F-4D97-AF65-F5344CB8AC3E}">
+        <p14:creationId xmlns:p14="http://schemas.microsoft.com/office/powerpoint/2010/main" val="2908943152"/>
+      </p:ext>
+    </p:extLst>
+  </p:cSld>
+  <p:clrMapOvr>
+    <a:masterClrMapping/>
+  </p:clrMapOvr>
+</p:sld>
+</file>
+
+<file path=ppt/slides/slide38.xml><?xml version="1.0" encoding="utf-8"?>
 <p:sld xmlns:a="http://schemas.openxmlformats.org/drawingml/2006/main" xmlns:r="http://schemas.openxmlformats.org/officeDocument/2006/relationships" xmlns:p="http://schemas.openxmlformats.org/presentationml/2006/main">
   <p:cSld>
     <p:spTree>
@@ -18556,7 +18669,7 @@
 </p:sld>
 </file>
 
-<file path=ppt/slides/slide37.xml><?xml version="1.0" encoding="utf-8"?>
+<file path=ppt/slides/slide39.xml><?xml version="1.0" encoding="utf-8"?>
 <p:sld xmlns:a="http://schemas.openxmlformats.org/drawingml/2006/main" xmlns:r="http://schemas.openxmlformats.org/officeDocument/2006/relationships" xmlns:p="http://schemas.openxmlformats.org/presentationml/2006/main">
   <p:cSld>
     <p:spTree>
@@ -18712,364 +18825,6 @@
     <p:extLst>
       <p:ext uri="{BB962C8B-B14F-4D97-AF65-F5344CB8AC3E}">
         <p14:creationId xmlns:p14="http://schemas.microsoft.com/office/powerpoint/2010/main" val="3637332233"/>
-      </p:ext>
-    </p:extLst>
-  </p:cSld>
-  <p:clrMapOvr>
-    <a:masterClrMapping/>
-  </p:clrMapOvr>
-</p:sld>
-</file>
-
-<file path=ppt/slides/slide38.xml><?xml version="1.0" encoding="utf-8"?>
-<p:sld xmlns:a="http://schemas.openxmlformats.org/drawingml/2006/main" xmlns:r="http://schemas.openxmlformats.org/officeDocument/2006/relationships" xmlns:p="http://schemas.openxmlformats.org/presentationml/2006/main">
-  <p:cSld>
-    <p:spTree>
-      <p:nvGrpSpPr>
-        <p:cNvPr id="1" name=""/>
-        <p:cNvGrpSpPr/>
-        <p:nvPr/>
-      </p:nvGrpSpPr>
-      <p:grpSpPr>
-        <a:xfrm>
-          <a:off x="0" y="0"/>
-          <a:ext cx="0" cy="0"/>
-          <a:chOff x="0" y="0"/>
-          <a:chExt cx="0" cy="0"/>
-        </a:xfrm>
-      </p:grpSpPr>
-      <p:sp>
-        <p:nvSpPr>
-          <p:cNvPr id="4" name="TextBox 3">
-            <a:extLst>
-              <a:ext uri="{FF2B5EF4-FFF2-40B4-BE49-F238E27FC236}">
-                <a16:creationId xmlns:a16="http://schemas.microsoft.com/office/drawing/2014/main" id="{FF31EAF7-4B31-2D4A-6870-A0F1CF993FF3}"/>
-              </a:ext>
-            </a:extLst>
-          </p:cNvPr>
-          <p:cNvSpPr txBox="1"/>
-          <p:nvPr/>
-        </p:nvSpPr>
-        <p:spPr>
-          <a:xfrm>
-            <a:off x="4374776" y="457200"/>
-            <a:ext cx="3254189" cy="707886"/>
-          </a:xfrm>
-          <a:prstGeom prst="rect">
-            <a:avLst/>
-          </a:prstGeom>
-          <a:noFill/>
-        </p:spPr>
-        <p:txBody>
-          <a:bodyPr wrap="square" rtlCol="0">
-            <a:spAutoFit/>
-          </a:bodyPr>
-          <a:lstStyle/>
-          <a:p>
-            <a:r>
-              <a:rPr lang="en-US" sz="4000" dirty="0">
-                <a:latin typeface="Calibri" panose="020F0502020204030204" pitchFamily="34" charset="0"/>
-                <a:ea typeface="Calibri" panose="020F0502020204030204" pitchFamily="34" charset="0"/>
-                <a:cs typeface="Calibri" panose="020F0502020204030204" pitchFamily="34" charset="0"/>
-              </a:rPr>
-              <a:t>Influence of BI</a:t>
-            </a:r>
-          </a:p>
-        </p:txBody>
-      </p:sp>
-      <p:sp>
-        <p:nvSpPr>
-          <p:cNvPr id="5" name="TextBox 4">
-            <a:extLst>
-              <a:ext uri="{FF2B5EF4-FFF2-40B4-BE49-F238E27FC236}">
-                <a16:creationId xmlns:a16="http://schemas.microsoft.com/office/drawing/2014/main" id="{7753EC8E-2261-471E-8B3A-9E84CF7C7EF4}"/>
-              </a:ext>
-            </a:extLst>
-          </p:cNvPr>
-          <p:cNvSpPr txBox="1"/>
-          <p:nvPr/>
-        </p:nvSpPr>
-        <p:spPr>
-          <a:xfrm>
-            <a:off x="744070" y="1821160"/>
-            <a:ext cx="8507507" cy="461665"/>
-          </a:xfrm>
-          <a:prstGeom prst="rect">
-            <a:avLst/>
-          </a:prstGeom>
-          <a:noFill/>
-        </p:spPr>
-        <p:txBody>
-          <a:bodyPr wrap="square" rtlCol="0">
-            <a:spAutoFit/>
-          </a:bodyPr>
-          <a:lstStyle/>
-          <a:p>
-            <a:r>
-              <a:rPr lang="en-US" sz="2400" dirty="0">
-                <a:latin typeface="Calibri" panose="020F0502020204030204" pitchFamily="34" charset="0"/>
-                <a:ea typeface="Calibri" panose="020F0502020204030204" pitchFamily="34" charset="0"/>
-                <a:cs typeface="Calibri" panose="020F0502020204030204" pitchFamily="34" charset="0"/>
-              </a:rPr>
-              <a:t>3. Making decisions to marketing strategy</a:t>
-            </a:r>
-          </a:p>
-        </p:txBody>
-      </p:sp>
-      <p:sp>
-        <p:nvSpPr>
-          <p:cNvPr id="6" name="TextBox 5">
-            <a:extLst>
-              <a:ext uri="{FF2B5EF4-FFF2-40B4-BE49-F238E27FC236}">
-                <a16:creationId xmlns:a16="http://schemas.microsoft.com/office/drawing/2014/main" id="{FA66766D-80F4-5178-6A49-A905AD5CA31D}"/>
-              </a:ext>
-            </a:extLst>
-          </p:cNvPr>
-          <p:cNvSpPr txBox="1"/>
-          <p:nvPr/>
-        </p:nvSpPr>
-        <p:spPr>
-          <a:xfrm>
-            <a:off x="1084729" y="2805953"/>
-            <a:ext cx="5495365" cy="2308324"/>
-          </a:xfrm>
-          <a:prstGeom prst="rect">
-            <a:avLst/>
-          </a:prstGeom>
-          <a:noFill/>
-        </p:spPr>
-        <p:txBody>
-          <a:bodyPr wrap="square" rtlCol="0">
-            <a:spAutoFit/>
-          </a:bodyPr>
-          <a:lstStyle/>
-          <a:p>
-            <a:pPr marL="285750" indent="-285750">
-              <a:buFont typeface="Arial" panose="020B0604020202020204" pitchFamily="34" charset="0"/>
-              <a:buChar char="•"/>
-            </a:pPr>
-            <a:r>
-              <a:rPr lang="en-US" dirty="0">
-                <a:latin typeface="Calibri" panose="020F0502020204030204" pitchFamily="34" charset="0"/>
-                <a:ea typeface="Calibri" panose="020F0502020204030204" pitchFamily="34" charset="0"/>
-                <a:cs typeface="Calibri" panose="020F0502020204030204" pitchFamily="34" charset="0"/>
-              </a:rPr>
-              <a:t>Based on BI, the company can determine from customer feedback, it can make marketing decisions to bring the best service platform.</a:t>
-            </a:r>
-          </a:p>
-          <a:p>
-            <a:pPr marL="285750" indent="-285750">
-              <a:buFont typeface="Arial" panose="020B0604020202020204" pitchFamily="34" charset="0"/>
-              <a:buChar char="•"/>
-            </a:pPr>
-            <a:r>
-              <a:rPr lang="en-US" dirty="0">
-                <a:latin typeface="Calibri" panose="020F0502020204030204" pitchFamily="34" charset="0"/>
-                <a:ea typeface="Calibri" panose="020F0502020204030204" pitchFamily="34" charset="0"/>
-                <a:cs typeface="Calibri" panose="020F0502020204030204" pitchFamily="34" charset="0"/>
-              </a:rPr>
-              <a:t>For example, the company Netflix will give a feedback when users experience the movie package on their platform. If the feedback is positive, the company will advertise and offer appropriate incentives to make better profits.</a:t>
-            </a:r>
-          </a:p>
-        </p:txBody>
-      </p:sp>
-    </p:spTree>
-    <p:extLst>
-      <p:ext uri="{BB962C8B-B14F-4D97-AF65-F5344CB8AC3E}">
-        <p14:creationId xmlns:p14="http://schemas.microsoft.com/office/powerpoint/2010/main" val="1384095692"/>
-      </p:ext>
-    </p:extLst>
-  </p:cSld>
-  <p:clrMapOvr>
-    <a:masterClrMapping/>
-  </p:clrMapOvr>
-</p:sld>
-</file>
-
-<file path=ppt/slides/slide39.xml><?xml version="1.0" encoding="utf-8"?>
-<p:sld xmlns:a="http://schemas.openxmlformats.org/drawingml/2006/main" xmlns:r="http://schemas.openxmlformats.org/officeDocument/2006/relationships" xmlns:p="http://schemas.openxmlformats.org/presentationml/2006/main">
-  <p:cSld>
-    <p:spTree>
-      <p:nvGrpSpPr>
-        <p:cNvPr id="1" name=""/>
-        <p:cNvGrpSpPr/>
-        <p:nvPr/>
-      </p:nvGrpSpPr>
-      <p:grpSpPr>
-        <a:xfrm>
-          <a:off x="0" y="0"/>
-          <a:ext cx="0" cy="0"/>
-          <a:chOff x="0" y="0"/>
-          <a:chExt cx="0" cy="0"/>
-        </a:xfrm>
-      </p:grpSpPr>
-      <p:sp>
-        <p:nvSpPr>
-          <p:cNvPr id="4" name="TextBox 3">
-            <a:extLst>
-              <a:ext uri="{FF2B5EF4-FFF2-40B4-BE49-F238E27FC236}">
-                <a16:creationId xmlns:a16="http://schemas.microsoft.com/office/drawing/2014/main" id="{C420F3AA-334C-3B03-02DC-4305695D50F3}"/>
-              </a:ext>
-            </a:extLst>
-          </p:cNvPr>
-          <p:cNvSpPr txBox="1"/>
-          <p:nvPr/>
-        </p:nvSpPr>
-        <p:spPr>
-          <a:xfrm>
-            <a:off x="4598895" y="259977"/>
-            <a:ext cx="2680447" cy="707886"/>
-          </a:xfrm>
-          <a:prstGeom prst="rect">
-            <a:avLst/>
-          </a:prstGeom>
-          <a:noFill/>
-        </p:spPr>
-        <p:txBody>
-          <a:bodyPr wrap="square" rtlCol="0">
-            <a:spAutoFit/>
-          </a:bodyPr>
-          <a:lstStyle/>
-          <a:p>
-            <a:r>
-              <a:rPr lang="en-US" sz="4000" dirty="0">
-                <a:latin typeface="Calibri" panose="020F0502020204030204" pitchFamily="34" charset="0"/>
-                <a:ea typeface="Calibri" panose="020F0502020204030204" pitchFamily="34" charset="0"/>
-                <a:cs typeface="Calibri" panose="020F0502020204030204" pitchFamily="34" charset="0"/>
-              </a:rPr>
-              <a:t>Legal Issues</a:t>
-            </a:r>
-          </a:p>
-        </p:txBody>
-      </p:sp>
-      <p:sp>
-        <p:nvSpPr>
-          <p:cNvPr id="5" name="TextBox 4">
-            <a:extLst>
-              <a:ext uri="{FF2B5EF4-FFF2-40B4-BE49-F238E27FC236}">
-                <a16:creationId xmlns:a16="http://schemas.microsoft.com/office/drawing/2014/main" id="{56A9BAAA-E602-C966-9899-67F3FFDB0E82}"/>
-              </a:ext>
-            </a:extLst>
-          </p:cNvPr>
-          <p:cNvSpPr txBox="1"/>
-          <p:nvPr/>
-        </p:nvSpPr>
-        <p:spPr>
-          <a:xfrm>
-            <a:off x="546848" y="1038180"/>
-            <a:ext cx="5773270" cy="5078313"/>
-          </a:xfrm>
-          <a:prstGeom prst="rect">
-            <a:avLst/>
-          </a:prstGeom>
-          <a:noFill/>
-        </p:spPr>
-        <p:txBody>
-          <a:bodyPr wrap="square" rtlCol="0">
-            <a:spAutoFit/>
-          </a:bodyPr>
-          <a:lstStyle/>
-          <a:p>
-            <a:r>
-              <a:rPr lang="en-US" dirty="0">
-                <a:latin typeface="Calibri" panose="020F0502020204030204" pitchFamily="34" charset="0"/>
-                <a:ea typeface="Calibri" panose="020F0502020204030204" pitchFamily="34" charset="0"/>
-                <a:cs typeface="Calibri" panose="020F0502020204030204" pitchFamily="34" charset="0"/>
-              </a:rPr>
-              <a:t>Business Intelligence (BI) involves using technology, data analysis, and business insights to support business decision making. Like any other business practice, BI is subject to legal issues that businesses need to consider when implementing a BI system. Some of the key legal issues in business intelligence include:</a:t>
-            </a:r>
-          </a:p>
-          <a:p>
-            <a:pPr marL="285750" indent="-285750">
-              <a:buFont typeface="Arial" panose="020B0604020202020204" pitchFamily="34" charset="0"/>
-              <a:buChar char="•"/>
-            </a:pPr>
-            <a:r>
-              <a:rPr lang="en-US" dirty="0">
-                <a:latin typeface="Calibri" panose="020F0502020204030204" pitchFamily="34" charset="0"/>
-                <a:ea typeface="Calibri" panose="020F0502020204030204" pitchFamily="34" charset="0"/>
-                <a:cs typeface="Calibri" panose="020F0502020204030204" pitchFamily="34" charset="0"/>
-              </a:rPr>
-              <a:t>Data privacy and security: BI systems often involve the collection and analysis of large amounts of data, which can raise privacy and security concerns. Businesses must ensure that they comply with applicable data privacy regulations and take steps to secure the data they collect and analyze.</a:t>
-            </a:r>
-          </a:p>
-          <a:p>
-            <a:pPr marL="285750" indent="-285750">
-              <a:buFont typeface="Arial" panose="020B0604020202020204" pitchFamily="34" charset="0"/>
-              <a:buChar char="•"/>
-            </a:pPr>
-            <a:r>
-              <a:rPr lang="en-US" dirty="0">
-                <a:latin typeface="Calibri" panose="020F0502020204030204" pitchFamily="34" charset="0"/>
-                <a:ea typeface="Calibri" panose="020F0502020204030204" pitchFamily="34" charset="0"/>
-                <a:cs typeface="Calibri" panose="020F0502020204030204" pitchFamily="34" charset="0"/>
-              </a:rPr>
-              <a:t>Intellectual Property: BI systems often involve the use of proprietary software, algorithms, and other intellectual property. Businesses must ensure that they have the necessary rights to use and distribute these assets and that they do not infringe the intellectual property rights of others.</a:t>
-            </a:r>
-          </a:p>
-        </p:txBody>
-      </p:sp>
-      <p:sp>
-        <p:nvSpPr>
-          <p:cNvPr id="8" name="TextBox 7">
-            <a:extLst>
-              <a:ext uri="{FF2B5EF4-FFF2-40B4-BE49-F238E27FC236}">
-                <a16:creationId xmlns:a16="http://schemas.microsoft.com/office/drawing/2014/main" id="{AF4C73A0-BD92-0EC6-7211-DE86BAC14D88}"/>
-              </a:ext>
-            </a:extLst>
-          </p:cNvPr>
-          <p:cNvSpPr txBox="1"/>
-          <p:nvPr/>
-        </p:nvSpPr>
-        <p:spPr>
-          <a:xfrm>
-            <a:off x="6481481" y="2805953"/>
-            <a:ext cx="5567083" cy="2862322"/>
-          </a:xfrm>
-          <a:prstGeom prst="rect">
-            <a:avLst/>
-          </a:prstGeom>
-          <a:noFill/>
-        </p:spPr>
-        <p:txBody>
-          <a:bodyPr wrap="square" rtlCol="0">
-            <a:spAutoFit/>
-          </a:bodyPr>
-          <a:lstStyle/>
-          <a:p>
-            <a:pPr marL="285750" indent="-285750">
-              <a:buFont typeface="Arial" panose="020B0604020202020204" pitchFamily="34" charset="0"/>
-              <a:buChar char="•"/>
-            </a:pPr>
-            <a:r>
-              <a:rPr lang="en-US" dirty="0">
-                <a:latin typeface="Calibri" panose="020F0502020204030204" pitchFamily="34" charset="0"/>
-                <a:ea typeface="Calibri" panose="020F0502020204030204" pitchFamily="34" charset="0"/>
-                <a:cs typeface="Calibri" panose="020F0502020204030204" pitchFamily="34" charset="0"/>
-              </a:rPr>
-              <a:t>Liability: BI systems can generate business-critical insights and recommendations. Businesses must ensure that they are not liable for any harm that may result from the use of these insights and recommendations.</a:t>
-            </a:r>
-          </a:p>
-          <a:p>
-            <a:pPr marL="285750" indent="-285750">
-              <a:buFont typeface="Arial" panose="020B0604020202020204" pitchFamily="34" charset="0"/>
-              <a:buChar char="•"/>
-            </a:pPr>
-            <a:r>
-              <a:rPr lang="en-US" dirty="0">
-                <a:latin typeface="Calibri" panose="020F0502020204030204" pitchFamily="34" charset="0"/>
-                <a:ea typeface="Calibri" panose="020F0502020204030204" pitchFamily="34" charset="0"/>
-                <a:cs typeface="Calibri" panose="020F0502020204030204" pitchFamily="34" charset="0"/>
-              </a:rPr>
-              <a:t>Compliance: Businesses must ensure that they comply with all relevant laws and regulations when implementing and using BI systems. This includes compliance with data protection, antitrust and other regulatory requirements.</a:t>
-            </a:r>
-          </a:p>
-        </p:txBody>
-      </p:sp>
-    </p:spTree>
-    <p:extLst>
-      <p:ext uri="{BB962C8B-B14F-4D97-AF65-F5344CB8AC3E}">
-        <p14:creationId xmlns:p14="http://schemas.microsoft.com/office/powerpoint/2010/main" val="221430684"/>
       </p:ext>
     </p:extLst>
   </p:cSld>
@@ -19779,6 +19534,364 @@
 </file>
 
 <file path=ppt/slides/slide40.xml><?xml version="1.0" encoding="utf-8"?>
+<p:sld xmlns:a="http://schemas.openxmlformats.org/drawingml/2006/main" xmlns:r="http://schemas.openxmlformats.org/officeDocument/2006/relationships" xmlns:p="http://schemas.openxmlformats.org/presentationml/2006/main">
+  <p:cSld>
+    <p:spTree>
+      <p:nvGrpSpPr>
+        <p:cNvPr id="1" name=""/>
+        <p:cNvGrpSpPr/>
+        <p:nvPr/>
+      </p:nvGrpSpPr>
+      <p:grpSpPr>
+        <a:xfrm>
+          <a:off x="0" y="0"/>
+          <a:ext cx="0" cy="0"/>
+          <a:chOff x="0" y="0"/>
+          <a:chExt cx="0" cy="0"/>
+        </a:xfrm>
+      </p:grpSpPr>
+      <p:sp>
+        <p:nvSpPr>
+          <p:cNvPr id="4" name="TextBox 3">
+            <a:extLst>
+              <a:ext uri="{FF2B5EF4-FFF2-40B4-BE49-F238E27FC236}">
+                <a16:creationId xmlns:a16="http://schemas.microsoft.com/office/drawing/2014/main" id="{FF31EAF7-4B31-2D4A-6870-A0F1CF993FF3}"/>
+              </a:ext>
+            </a:extLst>
+          </p:cNvPr>
+          <p:cNvSpPr txBox="1"/>
+          <p:nvPr/>
+        </p:nvSpPr>
+        <p:spPr>
+          <a:xfrm>
+            <a:off x="4374776" y="457200"/>
+            <a:ext cx="3254189" cy="707886"/>
+          </a:xfrm>
+          <a:prstGeom prst="rect">
+            <a:avLst/>
+          </a:prstGeom>
+          <a:noFill/>
+        </p:spPr>
+        <p:txBody>
+          <a:bodyPr wrap="square" rtlCol="0">
+            <a:spAutoFit/>
+          </a:bodyPr>
+          <a:lstStyle/>
+          <a:p>
+            <a:r>
+              <a:rPr lang="en-US" sz="4000" dirty="0">
+                <a:latin typeface="Calibri" panose="020F0502020204030204" pitchFamily="34" charset="0"/>
+                <a:ea typeface="Calibri" panose="020F0502020204030204" pitchFamily="34" charset="0"/>
+                <a:cs typeface="Calibri" panose="020F0502020204030204" pitchFamily="34" charset="0"/>
+              </a:rPr>
+              <a:t>Influence of BI</a:t>
+            </a:r>
+          </a:p>
+        </p:txBody>
+      </p:sp>
+      <p:sp>
+        <p:nvSpPr>
+          <p:cNvPr id="5" name="TextBox 4">
+            <a:extLst>
+              <a:ext uri="{FF2B5EF4-FFF2-40B4-BE49-F238E27FC236}">
+                <a16:creationId xmlns:a16="http://schemas.microsoft.com/office/drawing/2014/main" id="{7753EC8E-2261-471E-8B3A-9E84CF7C7EF4}"/>
+              </a:ext>
+            </a:extLst>
+          </p:cNvPr>
+          <p:cNvSpPr txBox="1"/>
+          <p:nvPr/>
+        </p:nvSpPr>
+        <p:spPr>
+          <a:xfrm>
+            <a:off x="744070" y="1821160"/>
+            <a:ext cx="8507507" cy="461665"/>
+          </a:xfrm>
+          <a:prstGeom prst="rect">
+            <a:avLst/>
+          </a:prstGeom>
+          <a:noFill/>
+        </p:spPr>
+        <p:txBody>
+          <a:bodyPr wrap="square" rtlCol="0">
+            <a:spAutoFit/>
+          </a:bodyPr>
+          <a:lstStyle/>
+          <a:p>
+            <a:r>
+              <a:rPr lang="en-US" sz="2400" dirty="0">
+                <a:latin typeface="Calibri" panose="020F0502020204030204" pitchFamily="34" charset="0"/>
+                <a:ea typeface="Calibri" panose="020F0502020204030204" pitchFamily="34" charset="0"/>
+                <a:cs typeface="Calibri" panose="020F0502020204030204" pitchFamily="34" charset="0"/>
+              </a:rPr>
+              <a:t>3. Making decisions to marketing strategy</a:t>
+            </a:r>
+          </a:p>
+        </p:txBody>
+      </p:sp>
+      <p:sp>
+        <p:nvSpPr>
+          <p:cNvPr id="6" name="TextBox 5">
+            <a:extLst>
+              <a:ext uri="{FF2B5EF4-FFF2-40B4-BE49-F238E27FC236}">
+                <a16:creationId xmlns:a16="http://schemas.microsoft.com/office/drawing/2014/main" id="{FA66766D-80F4-5178-6A49-A905AD5CA31D}"/>
+              </a:ext>
+            </a:extLst>
+          </p:cNvPr>
+          <p:cNvSpPr txBox="1"/>
+          <p:nvPr/>
+        </p:nvSpPr>
+        <p:spPr>
+          <a:xfrm>
+            <a:off x="1084729" y="2805953"/>
+            <a:ext cx="5495365" cy="2308324"/>
+          </a:xfrm>
+          <a:prstGeom prst="rect">
+            <a:avLst/>
+          </a:prstGeom>
+          <a:noFill/>
+        </p:spPr>
+        <p:txBody>
+          <a:bodyPr wrap="square" rtlCol="0">
+            <a:spAutoFit/>
+          </a:bodyPr>
+          <a:lstStyle/>
+          <a:p>
+            <a:pPr marL="285750" indent="-285750">
+              <a:buFont typeface="Arial" panose="020B0604020202020204" pitchFamily="34" charset="0"/>
+              <a:buChar char="•"/>
+            </a:pPr>
+            <a:r>
+              <a:rPr lang="en-US" dirty="0">
+                <a:latin typeface="Calibri" panose="020F0502020204030204" pitchFamily="34" charset="0"/>
+                <a:ea typeface="Calibri" panose="020F0502020204030204" pitchFamily="34" charset="0"/>
+                <a:cs typeface="Calibri" panose="020F0502020204030204" pitchFamily="34" charset="0"/>
+              </a:rPr>
+              <a:t>Based on BI, the company can determine from customer feedback, it can make marketing decisions to bring the best service platform.</a:t>
+            </a:r>
+          </a:p>
+          <a:p>
+            <a:pPr marL="285750" indent="-285750">
+              <a:buFont typeface="Arial" panose="020B0604020202020204" pitchFamily="34" charset="0"/>
+              <a:buChar char="•"/>
+            </a:pPr>
+            <a:r>
+              <a:rPr lang="en-US" dirty="0">
+                <a:latin typeface="Calibri" panose="020F0502020204030204" pitchFamily="34" charset="0"/>
+                <a:ea typeface="Calibri" panose="020F0502020204030204" pitchFamily="34" charset="0"/>
+                <a:cs typeface="Calibri" panose="020F0502020204030204" pitchFamily="34" charset="0"/>
+              </a:rPr>
+              <a:t>For example, the company Netflix will give a feedback when users experience the movie package on their platform. If the feedback is positive, the company will advertise and offer appropriate incentives to make better profits.</a:t>
+            </a:r>
+          </a:p>
+        </p:txBody>
+      </p:sp>
+    </p:spTree>
+    <p:extLst>
+      <p:ext uri="{BB962C8B-B14F-4D97-AF65-F5344CB8AC3E}">
+        <p14:creationId xmlns:p14="http://schemas.microsoft.com/office/powerpoint/2010/main" val="1384095692"/>
+      </p:ext>
+    </p:extLst>
+  </p:cSld>
+  <p:clrMapOvr>
+    <a:masterClrMapping/>
+  </p:clrMapOvr>
+</p:sld>
+</file>
+
+<file path=ppt/slides/slide41.xml><?xml version="1.0" encoding="utf-8"?>
+<p:sld xmlns:a="http://schemas.openxmlformats.org/drawingml/2006/main" xmlns:r="http://schemas.openxmlformats.org/officeDocument/2006/relationships" xmlns:p="http://schemas.openxmlformats.org/presentationml/2006/main">
+  <p:cSld>
+    <p:spTree>
+      <p:nvGrpSpPr>
+        <p:cNvPr id="1" name=""/>
+        <p:cNvGrpSpPr/>
+        <p:nvPr/>
+      </p:nvGrpSpPr>
+      <p:grpSpPr>
+        <a:xfrm>
+          <a:off x="0" y="0"/>
+          <a:ext cx="0" cy="0"/>
+          <a:chOff x="0" y="0"/>
+          <a:chExt cx="0" cy="0"/>
+        </a:xfrm>
+      </p:grpSpPr>
+      <p:sp>
+        <p:nvSpPr>
+          <p:cNvPr id="4" name="TextBox 3">
+            <a:extLst>
+              <a:ext uri="{FF2B5EF4-FFF2-40B4-BE49-F238E27FC236}">
+                <a16:creationId xmlns:a16="http://schemas.microsoft.com/office/drawing/2014/main" id="{C420F3AA-334C-3B03-02DC-4305695D50F3}"/>
+              </a:ext>
+            </a:extLst>
+          </p:cNvPr>
+          <p:cNvSpPr txBox="1"/>
+          <p:nvPr/>
+        </p:nvSpPr>
+        <p:spPr>
+          <a:xfrm>
+            <a:off x="4598895" y="259977"/>
+            <a:ext cx="2680447" cy="707886"/>
+          </a:xfrm>
+          <a:prstGeom prst="rect">
+            <a:avLst/>
+          </a:prstGeom>
+          <a:noFill/>
+        </p:spPr>
+        <p:txBody>
+          <a:bodyPr wrap="square" rtlCol="0">
+            <a:spAutoFit/>
+          </a:bodyPr>
+          <a:lstStyle/>
+          <a:p>
+            <a:r>
+              <a:rPr lang="en-US" sz="4000" dirty="0">
+                <a:latin typeface="Calibri" panose="020F0502020204030204" pitchFamily="34" charset="0"/>
+                <a:ea typeface="Calibri" panose="020F0502020204030204" pitchFamily="34" charset="0"/>
+                <a:cs typeface="Calibri" panose="020F0502020204030204" pitchFamily="34" charset="0"/>
+              </a:rPr>
+              <a:t>Legal Issues</a:t>
+            </a:r>
+          </a:p>
+        </p:txBody>
+      </p:sp>
+      <p:sp>
+        <p:nvSpPr>
+          <p:cNvPr id="5" name="TextBox 4">
+            <a:extLst>
+              <a:ext uri="{FF2B5EF4-FFF2-40B4-BE49-F238E27FC236}">
+                <a16:creationId xmlns:a16="http://schemas.microsoft.com/office/drawing/2014/main" id="{56A9BAAA-E602-C966-9899-67F3FFDB0E82}"/>
+              </a:ext>
+            </a:extLst>
+          </p:cNvPr>
+          <p:cNvSpPr txBox="1"/>
+          <p:nvPr/>
+        </p:nvSpPr>
+        <p:spPr>
+          <a:xfrm>
+            <a:off x="546848" y="1038180"/>
+            <a:ext cx="5773270" cy="5078313"/>
+          </a:xfrm>
+          <a:prstGeom prst="rect">
+            <a:avLst/>
+          </a:prstGeom>
+          <a:noFill/>
+        </p:spPr>
+        <p:txBody>
+          <a:bodyPr wrap="square" rtlCol="0">
+            <a:spAutoFit/>
+          </a:bodyPr>
+          <a:lstStyle/>
+          <a:p>
+            <a:r>
+              <a:rPr lang="en-US" dirty="0">
+                <a:latin typeface="Calibri" panose="020F0502020204030204" pitchFamily="34" charset="0"/>
+                <a:ea typeface="Calibri" panose="020F0502020204030204" pitchFamily="34" charset="0"/>
+                <a:cs typeface="Calibri" panose="020F0502020204030204" pitchFamily="34" charset="0"/>
+              </a:rPr>
+              <a:t>Business Intelligence (BI) involves using technology, data analysis, and business insights to support business decision making. Like any other business practice, BI is subject to legal issues that businesses need to consider when implementing a BI system. Some of the key legal issues in business intelligence include:</a:t>
+            </a:r>
+          </a:p>
+          <a:p>
+            <a:pPr marL="285750" indent="-285750">
+              <a:buFont typeface="Arial" panose="020B0604020202020204" pitchFamily="34" charset="0"/>
+              <a:buChar char="•"/>
+            </a:pPr>
+            <a:r>
+              <a:rPr lang="en-US" dirty="0">
+                <a:latin typeface="Calibri" panose="020F0502020204030204" pitchFamily="34" charset="0"/>
+                <a:ea typeface="Calibri" panose="020F0502020204030204" pitchFamily="34" charset="0"/>
+                <a:cs typeface="Calibri" panose="020F0502020204030204" pitchFamily="34" charset="0"/>
+              </a:rPr>
+              <a:t>Data privacy and security: BI systems often involve the collection and analysis of large amounts of data, which can raise privacy and security concerns. Businesses must ensure that they comply with applicable data privacy regulations and take steps to secure the data they collect and analyze.</a:t>
+            </a:r>
+          </a:p>
+          <a:p>
+            <a:pPr marL="285750" indent="-285750">
+              <a:buFont typeface="Arial" panose="020B0604020202020204" pitchFamily="34" charset="0"/>
+              <a:buChar char="•"/>
+            </a:pPr>
+            <a:r>
+              <a:rPr lang="en-US" dirty="0">
+                <a:latin typeface="Calibri" panose="020F0502020204030204" pitchFamily="34" charset="0"/>
+                <a:ea typeface="Calibri" panose="020F0502020204030204" pitchFamily="34" charset="0"/>
+                <a:cs typeface="Calibri" panose="020F0502020204030204" pitchFamily="34" charset="0"/>
+              </a:rPr>
+              <a:t>Intellectual Property: BI systems often involve the use of proprietary software, algorithms, and other intellectual property. Businesses must ensure that they have the necessary rights to use and distribute these assets and that they do not infringe the intellectual property rights of others.</a:t>
+            </a:r>
+          </a:p>
+        </p:txBody>
+      </p:sp>
+      <p:sp>
+        <p:nvSpPr>
+          <p:cNvPr id="8" name="TextBox 7">
+            <a:extLst>
+              <a:ext uri="{FF2B5EF4-FFF2-40B4-BE49-F238E27FC236}">
+                <a16:creationId xmlns:a16="http://schemas.microsoft.com/office/drawing/2014/main" id="{AF4C73A0-BD92-0EC6-7211-DE86BAC14D88}"/>
+              </a:ext>
+            </a:extLst>
+          </p:cNvPr>
+          <p:cNvSpPr txBox="1"/>
+          <p:nvPr/>
+        </p:nvSpPr>
+        <p:spPr>
+          <a:xfrm>
+            <a:off x="6481481" y="2805953"/>
+            <a:ext cx="5567083" cy="2862322"/>
+          </a:xfrm>
+          <a:prstGeom prst="rect">
+            <a:avLst/>
+          </a:prstGeom>
+          <a:noFill/>
+        </p:spPr>
+        <p:txBody>
+          <a:bodyPr wrap="square" rtlCol="0">
+            <a:spAutoFit/>
+          </a:bodyPr>
+          <a:lstStyle/>
+          <a:p>
+            <a:pPr marL="285750" indent="-285750">
+              <a:buFont typeface="Arial" panose="020B0604020202020204" pitchFamily="34" charset="0"/>
+              <a:buChar char="•"/>
+            </a:pPr>
+            <a:r>
+              <a:rPr lang="en-US" dirty="0">
+                <a:latin typeface="Calibri" panose="020F0502020204030204" pitchFamily="34" charset="0"/>
+                <a:ea typeface="Calibri" panose="020F0502020204030204" pitchFamily="34" charset="0"/>
+                <a:cs typeface="Calibri" panose="020F0502020204030204" pitchFamily="34" charset="0"/>
+              </a:rPr>
+              <a:t>Liability: BI systems can generate business-critical insights and recommendations. Businesses must ensure that they are not liable for any harm that may result from the use of these insights and recommendations.</a:t>
+            </a:r>
+          </a:p>
+          <a:p>
+            <a:pPr marL="285750" indent="-285750">
+              <a:buFont typeface="Arial" panose="020B0604020202020204" pitchFamily="34" charset="0"/>
+              <a:buChar char="•"/>
+            </a:pPr>
+            <a:r>
+              <a:rPr lang="en-US" dirty="0">
+                <a:latin typeface="Calibri" panose="020F0502020204030204" pitchFamily="34" charset="0"/>
+                <a:ea typeface="Calibri" panose="020F0502020204030204" pitchFamily="34" charset="0"/>
+                <a:cs typeface="Calibri" panose="020F0502020204030204" pitchFamily="34" charset="0"/>
+              </a:rPr>
+              <a:t>Compliance: Businesses must ensure that they comply with all relevant laws and regulations when implementing and using BI systems. This includes compliance with data protection, antitrust and other regulatory requirements.</a:t>
+            </a:r>
+          </a:p>
+        </p:txBody>
+      </p:sp>
+    </p:spTree>
+    <p:extLst>
+      <p:ext uri="{BB962C8B-B14F-4D97-AF65-F5344CB8AC3E}">
+        <p14:creationId xmlns:p14="http://schemas.microsoft.com/office/powerpoint/2010/main" val="221430684"/>
+      </p:ext>
+    </p:extLst>
+  </p:cSld>
+  <p:clrMapOvr>
+    <a:masterClrMapping/>
+  </p:clrMapOvr>
+</p:sld>
+</file>
+
+<file path=ppt/slides/slide42.xml><?xml version="1.0" encoding="utf-8"?>
 <p:sld xmlns:a="http://schemas.openxmlformats.org/drawingml/2006/main" xmlns:r="http://schemas.openxmlformats.org/officeDocument/2006/relationships" xmlns:p="http://schemas.openxmlformats.org/presentationml/2006/main">
   <p:cSld>
     <p:bg>
@@ -22049,86 +22162,6 @@
 <file path=ppt/slides/slide5.xml><?xml version="1.0" encoding="utf-8"?>
 <p:sld xmlns:a="http://schemas.openxmlformats.org/drawingml/2006/main" xmlns:r="http://schemas.openxmlformats.org/officeDocument/2006/relationships" xmlns:p="http://schemas.openxmlformats.org/presentationml/2006/main">
   <p:cSld>
-    <p:spTree>
-      <p:nvGrpSpPr>
-        <p:cNvPr id="1" name=""/>
-        <p:cNvGrpSpPr/>
-        <p:nvPr/>
-      </p:nvGrpSpPr>
-      <p:grpSpPr>
-        <a:xfrm>
-          <a:off x="0" y="0"/>
-          <a:ext cx="0" cy="0"/>
-          <a:chOff x="0" y="0"/>
-          <a:chExt cx="0" cy="0"/>
-        </a:xfrm>
-      </p:grpSpPr>
-      <p:sp>
-        <p:nvSpPr>
-          <p:cNvPr id="2" name="Title 1">
-            <a:extLst>
-              <a:ext uri="{FF2B5EF4-FFF2-40B4-BE49-F238E27FC236}">
-                <a16:creationId xmlns:a16="http://schemas.microsoft.com/office/drawing/2014/main" id="{4C6C0009-15B0-C641-9304-13551DD7466D}"/>
-              </a:ext>
-            </a:extLst>
-          </p:cNvPr>
-          <p:cNvSpPr>
-            <a:spLocks noGrp="1"/>
-          </p:cNvSpPr>
-          <p:nvPr>
-            <p:ph type="title"/>
-          </p:nvPr>
-        </p:nvSpPr>
-        <p:spPr/>
-        <p:txBody>
-          <a:bodyPr/>
-          <a:lstStyle/>
-          <a:p>
-            <a:endParaRPr lang="en-US"/>
-          </a:p>
-        </p:txBody>
-      </p:sp>
-      <p:sp>
-        <p:nvSpPr>
-          <p:cNvPr id="3" name="Content Placeholder 2">
-            <a:extLst>
-              <a:ext uri="{FF2B5EF4-FFF2-40B4-BE49-F238E27FC236}">
-                <a16:creationId xmlns:a16="http://schemas.microsoft.com/office/drawing/2014/main" id="{DAF3E215-D3E9-A042-B8AC-A57E78BA48DC}"/>
-              </a:ext>
-            </a:extLst>
-          </p:cNvPr>
-          <p:cNvSpPr>
-            <a:spLocks noGrp="1"/>
-          </p:cNvSpPr>
-          <p:nvPr>
-            <p:ph idx="1"/>
-          </p:nvPr>
-        </p:nvSpPr>
-        <p:spPr/>
-        <p:txBody>
-          <a:bodyPr/>
-          <a:lstStyle/>
-          <a:p>
-            <a:endParaRPr lang="en-US"/>
-          </a:p>
-        </p:txBody>
-      </p:sp>
-    </p:spTree>
-    <p:extLst>
-      <p:ext uri="{BB962C8B-B14F-4D97-AF65-F5344CB8AC3E}">
-        <p14:creationId xmlns:p14="http://schemas.microsoft.com/office/powerpoint/2010/main" val="1417691093"/>
-      </p:ext>
-    </p:extLst>
-  </p:cSld>
-  <p:clrMapOvr>
-    <a:masterClrMapping/>
-  </p:clrMapOvr>
-</p:sld>
-</file>
-
-<file path=ppt/slides/slide6.xml><?xml version="1.0" encoding="utf-8"?>
-<p:sld xmlns:a="http://schemas.openxmlformats.org/drawingml/2006/main" xmlns:r="http://schemas.openxmlformats.org/officeDocument/2006/relationships" xmlns:p="http://schemas.openxmlformats.org/presentationml/2006/main">
-  <p:cSld>
     <p:bg>
       <p:bgPr>
         <a:solidFill>
@@ -24324,7 +24357,7 @@
 </p:sld>
 </file>
 
-<file path=ppt/slides/slide7.xml><?xml version="1.0" encoding="utf-8"?>
+<file path=ppt/slides/slide6.xml><?xml version="1.0" encoding="utf-8"?>
 <p:sld xmlns:a="http://schemas.openxmlformats.org/drawingml/2006/main" xmlns:r="http://schemas.openxmlformats.org/officeDocument/2006/relationships" xmlns:p="http://schemas.openxmlformats.org/presentationml/2006/main">
   <p:cSld>
     <p:spTree>
@@ -25350,7 +25383,7 @@
 </p:sld>
 </file>
 
-<file path=ppt/slides/slide8.xml><?xml version="1.0" encoding="utf-8"?>
+<file path=ppt/slides/slide7.xml><?xml version="1.0" encoding="utf-8"?>
 <p:sld xmlns:a="http://schemas.openxmlformats.org/drawingml/2006/main" xmlns:r="http://schemas.openxmlformats.org/officeDocument/2006/relationships" xmlns:p="http://schemas.openxmlformats.org/presentationml/2006/main">
   <p:cSld>
     <p:spTree>
@@ -25557,7 +25590,7 @@
 </p:sld>
 </file>
 
-<file path=ppt/slides/slide9.xml><?xml version="1.0" encoding="utf-8"?>
+<file path=ppt/slides/slide8.xml><?xml version="1.0" encoding="utf-8"?>
 <p:sld xmlns:a="http://schemas.openxmlformats.org/drawingml/2006/main" xmlns:r="http://schemas.openxmlformats.org/officeDocument/2006/relationships" xmlns:p="http://schemas.openxmlformats.org/presentationml/2006/main">
   <p:cSld>
     <p:spTree>
@@ -25801,6 +25834,213 @@
     <p:extLst>
       <p:ext uri="{BB962C8B-B14F-4D97-AF65-F5344CB8AC3E}">
         <p14:creationId xmlns:p14="http://schemas.microsoft.com/office/powerpoint/2010/main" val="877395340"/>
+      </p:ext>
+    </p:extLst>
+  </p:cSld>
+  <p:clrMapOvr>
+    <a:masterClrMapping/>
+  </p:clrMapOvr>
+</p:sld>
+</file>
+
+<file path=ppt/slides/slide9.xml><?xml version="1.0" encoding="utf-8"?>
+<p:sld xmlns:a="http://schemas.openxmlformats.org/drawingml/2006/main" xmlns:r="http://schemas.openxmlformats.org/officeDocument/2006/relationships" xmlns:p="http://schemas.openxmlformats.org/presentationml/2006/main">
+  <p:cSld>
+    <p:spTree>
+      <p:nvGrpSpPr>
+        <p:cNvPr id="1" name=""/>
+        <p:cNvGrpSpPr/>
+        <p:nvPr/>
+      </p:nvGrpSpPr>
+      <p:grpSpPr>
+        <a:xfrm>
+          <a:off x="0" y="0"/>
+          <a:ext cx="0" cy="0"/>
+          <a:chOff x="0" y="0"/>
+          <a:chExt cx="0" cy="0"/>
+        </a:xfrm>
+      </p:grpSpPr>
+      <p:sp>
+        <p:nvSpPr>
+          <p:cNvPr id="4" name="TextBox 3">
+            <a:extLst>
+              <a:ext uri="{FF2B5EF4-FFF2-40B4-BE49-F238E27FC236}">
+                <a16:creationId xmlns:a16="http://schemas.microsoft.com/office/drawing/2014/main" id="{A00B1095-30AC-A6AC-F9CB-885F87D803CF}"/>
+              </a:ext>
+            </a:extLst>
+          </p:cNvPr>
+          <p:cNvSpPr txBox="1"/>
+          <p:nvPr/>
+        </p:nvSpPr>
+        <p:spPr>
+          <a:xfrm>
+            <a:off x="4141694" y="382697"/>
+            <a:ext cx="6427694" cy="584775"/>
+          </a:xfrm>
+          <a:prstGeom prst="rect">
+            <a:avLst/>
+          </a:prstGeom>
+          <a:noFill/>
+        </p:spPr>
+        <p:txBody>
+          <a:bodyPr wrap="square" rtlCol="0">
+            <a:spAutoFit/>
+          </a:bodyPr>
+          <a:lstStyle/>
+          <a:p>
+            <a:r>
+              <a:rPr lang="en-US" sz="3200">
+                <a:latin typeface="Calibri" panose="020F0502020204030204" pitchFamily="34" charset="0"/>
+                <a:ea typeface="Calibri" panose="020F0502020204030204" pitchFamily="34" charset="0"/>
+                <a:cs typeface="Calibri" panose="020F0502020204030204" pitchFamily="34" charset="0"/>
+              </a:rPr>
+              <a:t>Example about Label</a:t>
+            </a:r>
+          </a:p>
+        </p:txBody>
+      </p:sp>
+      <p:pic>
+        <p:nvPicPr>
+          <p:cNvPr id="6" name="Picture 5">
+            <a:extLst>
+              <a:ext uri="{FF2B5EF4-FFF2-40B4-BE49-F238E27FC236}">
+                <a16:creationId xmlns:a16="http://schemas.microsoft.com/office/drawing/2014/main" id="{C65D3F6D-8ADF-B654-D189-774DB58CA43A}"/>
+              </a:ext>
+            </a:extLst>
+          </p:cNvPr>
+          <p:cNvPicPr>
+            <a:picLocks noChangeAspect="1"/>
+          </p:cNvPicPr>
+          <p:nvPr/>
+        </p:nvPicPr>
+        <p:blipFill>
+          <a:blip r:embed="rId2"/>
+          <a:stretch>
+            <a:fillRect/>
+          </a:stretch>
+        </p:blipFill>
+        <p:spPr>
+          <a:xfrm>
+            <a:off x="196581" y="1673841"/>
+            <a:ext cx="4465707" cy="1112616"/>
+          </a:xfrm>
+          <a:prstGeom prst="rect">
+            <a:avLst/>
+          </a:prstGeom>
+        </p:spPr>
+      </p:pic>
+      <p:pic>
+        <p:nvPicPr>
+          <p:cNvPr id="8" name="Picture 7">
+            <a:extLst>
+              <a:ext uri="{FF2B5EF4-FFF2-40B4-BE49-F238E27FC236}">
+                <a16:creationId xmlns:a16="http://schemas.microsoft.com/office/drawing/2014/main" id="{E5783B13-8BC9-2929-737B-A6702793EF72}"/>
+              </a:ext>
+            </a:extLst>
+          </p:cNvPr>
+          <p:cNvPicPr>
+            <a:picLocks noChangeAspect="1"/>
+          </p:cNvPicPr>
+          <p:nvPr/>
+        </p:nvPicPr>
+        <p:blipFill>
+          <a:blip r:embed="rId3"/>
+          <a:stretch>
+            <a:fillRect/>
+          </a:stretch>
+        </p:blipFill>
+        <p:spPr>
+          <a:xfrm>
+            <a:off x="196581" y="4783971"/>
+            <a:ext cx="5791702" cy="1044030"/>
+          </a:xfrm>
+          <a:prstGeom prst="rect">
+            <a:avLst/>
+          </a:prstGeom>
+        </p:spPr>
+      </p:pic>
+      <p:sp>
+        <p:nvSpPr>
+          <p:cNvPr id="9" name="TextBox 8">
+            <a:extLst>
+              <a:ext uri="{FF2B5EF4-FFF2-40B4-BE49-F238E27FC236}">
+                <a16:creationId xmlns:a16="http://schemas.microsoft.com/office/drawing/2014/main" id="{F82C406A-886B-F2A3-8C53-314503FB1F9F}"/>
+              </a:ext>
+            </a:extLst>
+          </p:cNvPr>
+          <p:cNvSpPr txBox="1"/>
+          <p:nvPr/>
+        </p:nvSpPr>
+        <p:spPr>
+          <a:xfrm>
+            <a:off x="7593105" y="2045483"/>
+            <a:ext cx="3908612" cy="646331"/>
+          </a:xfrm>
+          <a:prstGeom prst="rect">
+            <a:avLst/>
+          </a:prstGeom>
+          <a:noFill/>
+        </p:spPr>
+        <p:txBody>
+          <a:bodyPr wrap="square" rtlCol="0">
+            <a:spAutoFit/>
+          </a:bodyPr>
+          <a:lstStyle/>
+          <a:p>
+            <a:r>
+              <a:rPr lang="en-US">
+                <a:latin typeface="Calibri" panose="020F0502020204030204" pitchFamily="34" charset="0"/>
+                <a:ea typeface="Calibri" panose="020F0502020204030204" pitchFamily="34" charset="0"/>
+                <a:cs typeface="Calibri" panose="020F0502020204030204" pitchFamily="34" charset="0"/>
+              </a:rPr>
+              <a:t>Input data for analysis: file raw_titles1.csv</a:t>
+            </a:r>
+          </a:p>
+        </p:txBody>
+      </p:sp>
+      <p:sp>
+        <p:nvSpPr>
+          <p:cNvPr id="10" name="TextBox 9">
+            <a:extLst>
+              <a:ext uri="{FF2B5EF4-FFF2-40B4-BE49-F238E27FC236}">
+                <a16:creationId xmlns:a16="http://schemas.microsoft.com/office/drawing/2014/main" id="{6BCFD986-9BCC-CE77-678B-BC6F3EE0F896}"/>
+              </a:ext>
+            </a:extLst>
+          </p:cNvPr>
+          <p:cNvSpPr txBox="1"/>
+          <p:nvPr/>
+        </p:nvSpPr>
+        <p:spPr>
+          <a:xfrm>
+            <a:off x="7673788" y="4982820"/>
+            <a:ext cx="3299012" cy="646331"/>
+          </a:xfrm>
+          <a:prstGeom prst="rect">
+            <a:avLst/>
+          </a:prstGeom>
+          <a:noFill/>
+        </p:spPr>
+        <p:txBody>
+          <a:bodyPr wrap="square" rtlCol="0">
+            <a:spAutoFit/>
+          </a:bodyPr>
+          <a:lstStyle/>
+          <a:p>
+            <a:r>
+              <a:rPr lang="en-US">
+                <a:latin typeface="Calibri" panose="020F0502020204030204" pitchFamily="34" charset="0"/>
+                <a:ea typeface="Calibri" panose="020F0502020204030204" pitchFamily="34" charset="0"/>
+                <a:cs typeface="Calibri" panose="020F0502020204030204" pitchFamily="34" charset="0"/>
+              </a:rPr>
+              <a:t>Output data after being analysis: file raw_title_new1.csv</a:t>
+            </a:r>
+          </a:p>
+        </p:txBody>
+      </p:sp>
+    </p:spTree>
+    <p:extLst>
+      <p:ext uri="{BB962C8B-B14F-4D97-AF65-F5344CB8AC3E}">
+        <p14:creationId xmlns:p14="http://schemas.microsoft.com/office/powerpoint/2010/main" val="2013724442"/>
       </p:ext>
     </p:extLst>
   </p:cSld>
